--- a/分析イメージ.pptx
+++ b/分析イメージ.pptx
@@ -8,8 +8,9 @@
     <p:sldId id="263" r:id="rId2"/>
     <p:sldId id="261" r:id="rId3"/>
     <p:sldId id="258" r:id="rId4"/>
-    <p:sldId id="262" r:id="rId5"/>
-    <p:sldId id="260" r:id="rId6"/>
+    <p:sldId id="264" r:id="rId5"/>
+    <p:sldId id="262" r:id="rId6"/>
+    <p:sldId id="260" r:id="rId7"/>
   </p:sldIdLst>
   <p:sldSz cx="12192000" cy="6858000"/>
   <p:notesSz cx="6858000" cy="9144000"/>
@@ -263,7 +264,7 @@
           <a:p>
             <a:fld id="{56B06BC5-3DAC-4251-BF5D-192E8881373E}" type="datetimeFigureOut">
               <a:rPr kumimoji="1" lang="ja-JP" altLang="en-US" smtClean="0"/>
-              <a:t>2023/3/11</a:t>
+              <a:t>2023/10/24</a:t>
             </a:fld>
             <a:endParaRPr kumimoji="1" lang="ja-JP" altLang="en-US"/>
           </a:p>
@@ -493,7 +494,7 @@
           <a:p>
             <a:fld id="{56B06BC5-3DAC-4251-BF5D-192E8881373E}" type="datetimeFigureOut">
               <a:rPr kumimoji="1" lang="ja-JP" altLang="en-US" smtClean="0"/>
-              <a:t>2023/3/11</a:t>
+              <a:t>2023/10/24</a:t>
             </a:fld>
             <a:endParaRPr kumimoji="1" lang="ja-JP" altLang="en-US"/>
           </a:p>
@@ -733,7 +734,7 @@
           <a:p>
             <a:fld id="{56B06BC5-3DAC-4251-BF5D-192E8881373E}" type="datetimeFigureOut">
               <a:rPr kumimoji="1" lang="ja-JP" altLang="en-US" smtClean="0"/>
-              <a:t>2023/3/11</a:t>
+              <a:t>2023/10/24</a:t>
             </a:fld>
             <a:endParaRPr kumimoji="1" lang="ja-JP" altLang="en-US"/>
           </a:p>
@@ -963,7 +964,7 @@
           <a:p>
             <a:fld id="{56B06BC5-3DAC-4251-BF5D-192E8881373E}" type="datetimeFigureOut">
               <a:rPr kumimoji="1" lang="ja-JP" altLang="en-US" smtClean="0"/>
-              <a:t>2023/3/11</a:t>
+              <a:t>2023/10/24</a:t>
             </a:fld>
             <a:endParaRPr kumimoji="1" lang="ja-JP" altLang="en-US"/>
           </a:p>
@@ -1238,7 +1239,7 @@
           <a:p>
             <a:fld id="{56B06BC5-3DAC-4251-BF5D-192E8881373E}" type="datetimeFigureOut">
               <a:rPr kumimoji="1" lang="ja-JP" altLang="en-US" smtClean="0"/>
-              <a:t>2023/3/11</a:t>
+              <a:t>2023/10/24</a:t>
             </a:fld>
             <a:endParaRPr kumimoji="1" lang="ja-JP" altLang="en-US"/>
           </a:p>
@@ -1567,7 +1568,7 @@
           <a:p>
             <a:fld id="{56B06BC5-3DAC-4251-BF5D-192E8881373E}" type="datetimeFigureOut">
               <a:rPr kumimoji="1" lang="ja-JP" altLang="en-US" smtClean="0"/>
-              <a:t>2023/3/11</a:t>
+              <a:t>2023/10/24</a:t>
             </a:fld>
             <a:endParaRPr kumimoji="1" lang="ja-JP" altLang="en-US"/>
           </a:p>
@@ -2043,7 +2044,7 @@
           <a:p>
             <a:fld id="{56B06BC5-3DAC-4251-BF5D-192E8881373E}" type="datetimeFigureOut">
               <a:rPr kumimoji="1" lang="ja-JP" altLang="en-US" smtClean="0"/>
-              <a:t>2023/3/11</a:t>
+              <a:t>2023/10/24</a:t>
             </a:fld>
             <a:endParaRPr kumimoji="1" lang="ja-JP" altLang="en-US"/>
           </a:p>
@@ -2184,7 +2185,7 @@
           <a:p>
             <a:fld id="{56B06BC5-3DAC-4251-BF5D-192E8881373E}" type="datetimeFigureOut">
               <a:rPr kumimoji="1" lang="ja-JP" altLang="en-US" smtClean="0"/>
-              <a:t>2023/3/11</a:t>
+              <a:t>2023/10/24</a:t>
             </a:fld>
             <a:endParaRPr kumimoji="1" lang="ja-JP" altLang="en-US"/>
           </a:p>
@@ -2297,7 +2298,7 @@
           <a:p>
             <a:fld id="{56B06BC5-3DAC-4251-BF5D-192E8881373E}" type="datetimeFigureOut">
               <a:rPr kumimoji="1" lang="ja-JP" altLang="en-US" smtClean="0"/>
-              <a:t>2023/3/11</a:t>
+              <a:t>2023/10/24</a:t>
             </a:fld>
             <a:endParaRPr kumimoji="1" lang="ja-JP" altLang="en-US"/>
           </a:p>
@@ -2640,7 +2641,7 @@
           <a:p>
             <a:fld id="{56B06BC5-3DAC-4251-BF5D-192E8881373E}" type="datetimeFigureOut">
               <a:rPr kumimoji="1" lang="ja-JP" altLang="en-US" smtClean="0"/>
-              <a:t>2023/3/11</a:t>
+              <a:t>2023/10/24</a:t>
             </a:fld>
             <a:endParaRPr kumimoji="1" lang="ja-JP" altLang="en-US"/>
           </a:p>
@@ -2928,7 +2929,7 @@
           <a:p>
             <a:fld id="{56B06BC5-3DAC-4251-BF5D-192E8881373E}" type="datetimeFigureOut">
               <a:rPr kumimoji="1" lang="ja-JP" altLang="en-US" smtClean="0"/>
-              <a:t>2023/3/11</a:t>
+              <a:t>2023/10/24</a:t>
             </a:fld>
             <a:endParaRPr kumimoji="1" lang="ja-JP" altLang="en-US"/>
           </a:p>
@@ -3201,7 +3202,7 @@
           <a:p>
             <a:fld id="{56B06BC5-3DAC-4251-BF5D-192E8881373E}" type="datetimeFigureOut">
               <a:rPr kumimoji="1" lang="ja-JP" altLang="en-US" smtClean="0"/>
-              <a:t>2023/3/11</a:t>
+              <a:t>2023/10/24</a:t>
             </a:fld>
             <a:endParaRPr kumimoji="1" lang="ja-JP" altLang="en-US"/>
           </a:p>
@@ -6453,6 +6454,370 @@
           <a:lstStyle/>
           <a:p>
             <a:r>
+              <a:rPr kumimoji="1" lang="ja-JP" altLang="en-US">
+                <a:latin typeface="UD デジタル 教科書体 NP-R" panose="02020400000000000000" pitchFamily="18" charset="-128"/>
+                <a:ea typeface="UD デジタル 教科書体 NP-R" panose="02020400000000000000" pitchFamily="18" charset="-128"/>
+              </a:rPr>
+              <a:t>デモ用ファイルの分析イメージ</a:t>
+            </a:r>
+            <a:endParaRPr kumimoji="1" lang="ja-JP" altLang="en-US" dirty="0">
+              <a:latin typeface="UD デジタル 教科書体 NP-R" panose="02020400000000000000" pitchFamily="18" charset="-128"/>
+              <a:ea typeface="UD デジタル 教科書体 NP-R" panose="02020400000000000000" pitchFamily="18" charset="-128"/>
+            </a:endParaRPr>
+          </a:p>
+        </p:txBody>
+      </p:sp>
+      <p:sp>
+        <p:nvSpPr>
+          <p:cNvPr id="20" name="テキスト ボックス 19">
+            <a:extLst>
+              <a:ext uri="{FF2B5EF4-FFF2-40B4-BE49-F238E27FC236}">
+                <a16:creationId xmlns:a16="http://schemas.microsoft.com/office/drawing/2014/main" id="{EDA09574-A4CF-AC6C-122E-9272810B6151}"/>
+              </a:ext>
+            </a:extLst>
+          </p:cNvPr>
+          <p:cNvSpPr txBox="1"/>
+          <p:nvPr/>
+        </p:nvSpPr>
+        <p:spPr>
+          <a:xfrm>
+            <a:off x="925355" y="5251081"/>
+            <a:ext cx="10341293" cy="461665"/>
+          </a:xfrm>
+          <a:prstGeom prst="rect">
+            <a:avLst/>
+          </a:prstGeom>
+          <a:noFill/>
+        </p:spPr>
+        <p:txBody>
+          <a:bodyPr wrap="none" rtlCol="0">
+            <a:spAutoFit/>
+          </a:bodyPr>
+          <a:lstStyle/>
+          <a:p>
+            <a:pPr algn="ctr"/>
+            <a:r>
+              <a:rPr lang="ja-JP" altLang="en-US" sz="2400">
+                <a:latin typeface="UD デジタル 教科書体 NP-R" panose="02020400000000000000" pitchFamily="18" charset="-128"/>
+                <a:ea typeface="UD デジタル 教科書体 NP-R" panose="02020400000000000000" pitchFamily="18" charset="-128"/>
+              </a:rPr>
+              <a:t>「血液型」と</a:t>
+            </a:r>
+            <a:r>
+              <a:rPr kumimoji="1" lang="ja-JP" altLang="en-US" sz="2400">
+                <a:latin typeface="UD デジタル 教科書体 NP-R" panose="02020400000000000000" pitchFamily="18" charset="-128"/>
+                <a:ea typeface="UD デジタル 教科書体 NP-R" panose="02020400000000000000" pitchFamily="18" charset="-128"/>
+              </a:rPr>
+              <a:t>「好きな食べ物」の度数に</a:t>
+            </a:r>
+            <a:r>
+              <a:rPr kumimoji="1" lang="en-US" altLang="ja-JP" sz="2400" dirty="0">
+                <a:latin typeface="UD デジタル 教科書体 NP-R" panose="02020400000000000000" pitchFamily="18" charset="-128"/>
+                <a:ea typeface="UD デジタル 教科書体 NP-R" panose="02020400000000000000" pitchFamily="18" charset="-128"/>
+              </a:rPr>
+              <a:t>【</a:t>
+            </a:r>
+            <a:r>
+              <a:rPr kumimoji="1" lang="ja-JP" altLang="en-US" sz="2400">
+                <a:solidFill>
+                  <a:srgbClr val="FF0000"/>
+                </a:solidFill>
+                <a:latin typeface="UD デジタル 教科書体 NP-R" panose="02020400000000000000" pitchFamily="18" charset="-128"/>
+                <a:ea typeface="UD デジタル 教科書体 NP-R" panose="02020400000000000000" pitchFamily="18" charset="-128"/>
+              </a:rPr>
+              <a:t>偶然ではない差</a:t>
+            </a:r>
+            <a:r>
+              <a:rPr kumimoji="1" lang="en-US" altLang="ja-JP" sz="2400" dirty="0">
+                <a:latin typeface="UD デジタル 教科書体 NP-R" panose="02020400000000000000" pitchFamily="18" charset="-128"/>
+                <a:ea typeface="UD デジタル 教科書体 NP-R" panose="02020400000000000000" pitchFamily="18" charset="-128"/>
+              </a:rPr>
+              <a:t>】</a:t>
+            </a:r>
+            <a:r>
+              <a:rPr lang="ja-JP" altLang="en-US" sz="2400">
+                <a:latin typeface="UD デジタル 教科書体 NP-R" panose="02020400000000000000" pitchFamily="18" charset="-128"/>
+                <a:ea typeface="UD デジタル 教科書体 NP-R" panose="02020400000000000000" pitchFamily="18" charset="-128"/>
+              </a:rPr>
+              <a:t>はあ</a:t>
+            </a:r>
+            <a:r>
+              <a:rPr kumimoji="1" lang="ja-JP" altLang="en-US" sz="2400">
+                <a:latin typeface="UD デジタル 教科書体 NP-R" panose="02020400000000000000" pitchFamily="18" charset="-128"/>
+                <a:ea typeface="UD デジタル 教科書体 NP-R" panose="02020400000000000000" pitchFamily="18" charset="-128"/>
+              </a:rPr>
+              <a:t>る</a:t>
+            </a:r>
+            <a:r>
+              <a:rPr kumimoji="1" lang="ja-JP" altLang="en-US" sz="2400" dirty="0">
+                <a:latin typeface="UD デジタル 教科書体 NP-R" panose="02020400000000000000" pitchFamily="18" charset="-128"/>
+                <a:ea typeface="UD デジタル 教科書体 NP-R" panose="02020400000000000000" pitchFamily="18" charset="-128"/>
+              </a:rPr>
+              <a:t>のか？</a:t>
+            </a:r>
+          </a:p>
+        </p:txBody>
+      </p:sp>
+      <p:sp>
+        <p:nvSpPr>
+          <p:cNvPr id="21" name="テキスト ボックス 20">
+            <a:extLst>
+              <a:ext uri="{FF2B5EF4-FFF2-40B4-BE49-F238E27FC236}">
+                <a16:creationId xmlns:a16="http://schemas.microsoft.com/office/drawing/2014/main" id="{D8B17575-5F00-8EAD-7175-2950408CAAFD}"/>
+              </a:ext>
+            </a:extLst>
+          </p:cNvPr>
+          <p:cNvSpPr txBox="1"/>
+          <p:nvPr/>
+        </p:nvSpPr>
+        <p:spPr>
+          <a:xfrm>
+            <a:off x="7638571" y="5921604"/>
+            <a:ext cx="3570208" cy="461665"/>
+          </a:xfrm>
+          <a:prstGeom prst="rect">
+            <a:avLst/>
+          </a:prstGeom>
+          <a:noFill/>
+        </p:spPr>
+        <p:txBody>
+          <a:bodyPr wrap="none" rtlCol="0">
+            <a:spAutoFit/>
+          </a:bodyPr>
+          <a:lstStyle/>
+          <a:p>
+            <a:r>
+              <a:rPr kumimoji="1" lang="ja-JP" altLang="en-US" sz="2400" dirty="0">
+                <a:latin typeface="UD デジタル 教科書体 NP-R" panose="02020400000000000000" pitchFamily="18" charset="-128"/>
+                <a:ea typeface="UD デジタル 教科書体 NP-R" panose="02020400000000000000" pitchFamily="18" charset="-128"/>
+              </a:rPr>
+              <a:t>を統計の力で確かめます</a:t>
+            </a:r>
+          </a:p>
+        </p:txBody>
+      </p:sp>
+      <p:pic>
+        <p:nvPicPr>
+          <p:cNvPr id="13" name="図 12" descr="グラフ, 棒グラフ&#10;&#10;自動的に生成された説明">
+            <a:extLst>
+              <a:ext uri="{FF2B5EF4-FFF2-40B4-BE49-F238E27FC236}">
+                <a16:creationId xmlns:a16="http://schemas.microsoft.com/office/drawing/2014/main" id="{A4704FE3-3864-3FF3-8F98-699582CFC187}"/>
+              </a:ext>
+            </a:extLst>
+          </p:cNvPr>
+          <p:cNvPicPr>
+            <a:picLocks noChangeAspect="1"/>
+          </p:cNvPicPr>
+          <p:nvPr/>
+        </p:nvPicPr>
+        <p:blipFill rotWithShape="1">
+          <a:blip r:embed="rId2">
+            <a:extLst>
+              <a:ext uri="{28A0092B-C50C-407E-A947-70E740481C1C}">
+                <a14:useLocalDpi xmlns:a14="http://schemas.microsoft.com/office/drawing/2010/main" val="0"/>
+              </a:ext>
+            </a:extLst>
+          </a:blip>
+          <a:srcRect t="17320"/>
+          <a:stretch/>
+        </p:blipFill>
+        <p:spPr>
+          <a:xfrm>
+            <a:off x="297713" y="1277241"/>
+            <a:ext cx="7491250" cy="3981691"/>
+          </a:xfrm>
+          <a:prstGeom prst="rect">
+            <a:avLst/>
+          </a:prstGeom>
+        </p:spPr>
+      </p:pic>
+      <p:sp>
+        <p:nvSpPr>
+          <p:cNvPr id="3" name="吹き出し: 四角形 2">
+            <a:extLst>
+              <a:ext uri="{FF2B5EF4-FFF2-40B4-BE49-F238E27FC236}">
+                <a16:creationId xmlns:a16="http://schemas.microsoft.com/office/drawing/2014/main" id="{4D1E1B04-FCE8-7E48-8501-AD3FADA88D33}"/>
+              </a:ext>
+            </a:extLst>
+          </p:cNvPr>
+          <p:cNvSpPr/>
+          <p:nvPr/>
+        </p:nvSpPr>
+        <p:spPr>
+          <a:xfrm>
+            <a:off x="8996855" y="1087640"/>
+            <a:ext cx="2356945" cy="1053874"/>
+          </a:xfrm>
+          <a:prstGeom prst="wedgeRectCallout">
+            <a:avLst>
+              <a:gd name="adj1" fmla="val -67012"/>
+              <a:gd name="adj2" fmla="val 40638"/>
+            </a:avLst>
+          </a:prstGeom>
+        </p:spPr>
+        <p:style>
+          <a:lnRef idx="2">
+            <a:schemeClr val="dk1"/>
+          </a:lnRef>
+          <a:fillRef idx="1">
+            <a:schemeClr val="lt1"/>
+          </a:fillRef>
+          <a:effectRef idx="0">
+            <a:schemeClr val="dk1"/>
+          </a:effectRef>
+          <a:fontRef idx="minor">
+            <a:schemeClr val="dk1"/>
+          </a:fontRef>
+        </p:style>
+        <p:txBody>
+          <a:bodyPr rtlCol="0" anchor="ctr"/>
+          <a:lstStyle/>
+          <a:p>
+            <a:pPr algn="ctr"/>
+            <a:r>
+              <a:rPr kumimoji="1" lang="ja-JP" altLang="en-US">
+                <a:latin typeface="UD デジタル 教科書体 NP-R" panose="02020400000000000000" pitchFamily="18" charset="-128"/>
+                <a:ea typeface="UD デジタル 教科書体 NP-R" panose="02020400000000000000" pitchFamily="18" charset="-128"/>
+              </a:rPr>
+              <a:t>黄色のセルは</a:t>
+            </a:r>
+            <a:endParaRPr kumimoji="1" lang="en-US" altLang="ja-JP" dirty="0">
+              <a:latin typeface="UD デジタル 教科書体 NP-R" panose="02020400000000000000" pitchFamily="18" charset="-128"/>
+              <a:ea typeface="UD デジタル 教科書体 NP-R" panose="02020400000000000000" pitchFamily="18" charset="-128"/>
+            </a:endParaRPr>
+          </a:p>
+          <a:p>
+            <a:pPr algn="ctr"/>
+            <a:r>
+              <a:rPr kumimoji="1" lang="ja-JP" altLang="en-US">
+                <a:latin typeface="UD デジタル 教科書体 NP-R" panose="02020400000000000000" pitchFamily="18" charset="-128"/>
+                <a:ea typeface="UD デジタル 教科書体 NP-R" panose="02020400000000000000" pitchFamily="18" charset="-128"/>
+              </a:rPr>
+              <a:t>度数が有意に</a:t>
+            </a:r>
+            <a:endParaRPr kumimoji="1" lang="en-US" altLang="ja-JP" dirty="0">
+              <a:latin typeface="UD デジタル 教科書体 NP-R" panose="02020400000000000000" pitchFamily="18" charset="-128"/>
+              <a:ea typeface="UD デジタル 教科書体 NP-R" panose="02020400000000000000" pitchFamily="18" charset="-128"/>
+            </a:endParaRPr>
+          </a:p>
+          <a:p>
+            <a:pPr algn="ctr"/>
+            <a:r>
+              <a:rPr kumimoji="1" lang="ja-JP" altLang="en-US">
+                <a:latin typeface="UD デジタル 教科書体 NP-R" panose="02020400000000000000" pitchFamily="18" charset="-128"/>
+                <a:ea typeface="UD デジタル 教科書体 NP-R" panose="02020400000000000000" pitchFamily="18" charset="-128"/>
+              </a:rPr>
+              <a:t>高い</a:t>
+            </a:r>
+            <a:r>
+              <a:rPr kumimoji="1" lang="en-US" altLang="ja-JP" dirty="0">
+                <a:latin typeface="UD デジタル 教科書体 NP-R" panose="02020400000000000000" pitchFamily="18" charset="-128"/>
+                <a:ea typeface="UD デジタル 教科書体 NP-R" panose="02020400000000000000" pitchFamily="18" charset="-128"/>
+              </a:rPr>
+              <a:t>or</a:t>
+            </a:r>
+            <a:r>
+              <a:rPr kumimoji="1" lang="ja-JP" altLang="en-US">
+                <a:latin typeface="UD デジタル 教科書体 NP-R" panose="02020400000000000000" pitchFamily="18" charset="-128"/>
+                <a:ea typeface="UD デジタル 教科書体 NP-R" panose="02020400000000000000" pitchFamily="18" charset="-128"/>
+              </a:rPr>
+              <a:t>低い</a:t>
+            </a:r>
+            <a:endParaRPr kumimoji="1" lang="ja-JP" altLang="en-US" dirty="0">
+              <a:latin typeface="UD デジタル 教科書体 NP-R" panose="02020400000000000000" pitchFamily="18" charset="-128"/>
+              <a:ea typeface="UD デジタル 教科書体 NP-R" panose="02020400000000000000" pitchFamily="18" charset="-128"/>
+            </a:endParaRPr>
+          </a:p>
+        </p:txBody>
+      </p:sp>
+      <p:pic>
+        <p:nvPicPr>
+          <p:cNvPr id="23" name="図 22" descr="テーブル&#10;&#10;中程度の精度で自動的に生成された説明">
+            <a:extLst>
+              <a:ext uri="{FF2B5EF4-FFF2-40B4-BE49-F238E27FC236}">
+                <a16:creationId xmlns:a16="http://schemas.microsoft.com/office/drawing/2014/main" id="{DE2CCD32-0E67-D2FD-F3E6-201B970DB296}"/>
+              </a:ext>
+            </a:extLst>
+          </p:cNvPr>
+          <p:cNvPicPr>
+            <a:picLocks noChangeAspect="1"/>
+          </p:cNvPicPr>
+          <p:nvPr/>
+        </p:nvPicPr>
+        <p:blipFill>
+          <a:blip r:embed="rId3">
+            <a:extLst>
+              <a:ext uri="{28A0092B-C50C-407E-A947-70E740481C1C}">
+                <a14:useLocalDpi xmlns:a14="http://schemas.microsoft.com/office/drawing/2010/main" val="0"/>
+              </a:ext>
+            </a:extLst>
+          </a:blip>
+          <a:stretch>
+            <a:fillRect/>
+          </a:stretch>
+        </p:blipFill>
+        <p:spPr>
+          <a:xfrm>
+            <a:off x="8175078" y="2412702"/>
+            <a:ext cx="3386302" cy="2124216"/>
+          </a:xfrm>
+          <a:prstGeom prst="rect">
+            <a:avLst/>
+          </a:prstGeom>
+        </p:spPr>
+      </p:pic>
+    </p:spTree>
+    <p:extLst>
+      <p:ext uri="{BB962C8B-B14F-4D97-AF65-F5344CB8AC3E}">
+        <p14:creationId xmlns:p14="http://schemas.microsoft.com/office/powerpoint/2010/main" val="3085081163"/>
+      </p:ext>
+    </p:extLst>
+  </p:cSld>
+  <p:clrMapOvr>
+    <a:masterClrMapping/>
+  </p:clrMapOvr>
+</p:sld>
+</file>
+
+<file path=ppt/slides/slide5.xml><?xml version="1.0" encoding="utf-8"?>
+<p:sld xmlns:a="http://schemas.openxmlformats.org/drawingml/2006/main" xmlns:r="http://schemas.openxmlformats.org/officeDocument/2006/relationships" xmlns:p="http://schemas.openxmlformats.org/presentationml/2006/main">
+  <p:cSld>
+    <p:spTree>
+      <p:nvGrpSpPr>
+        <p:cNvPr id="1" name=""/>
+        <p:cNvGrpSpPr/>
+        <p:nvPr/>
+      </p:nvGrpSpPr>
+      <p:grpSpPr>
+        <a:xfrm>
+          <a:off x="0" y="0"/>
+          <a:ext cx="0" cy="0"/>
+          <a:chOff x="0" y="0"/>
+          <a:chExt cx="0" cy="0"/>
+        </a:xfrm>
+      </p:grpSpPr>
+      <p:sp>
+        <p:nvSpPr>
+          <p:cNvPr id="2" name="タイトル 1">
+            <a:extLst>
+              <a:ext uri="{FF2B5EF4-FFF2-40B4-BE49-F238E27FC236}">
+                <a16:creationId xmlns:a16="http://schemas.microsoft.com/office/drawing/2014/main" id="{A649B4B9-A5FE-7B5E-D2E9-FB0D4D43E266}"/>
+              </a:ext>
+            </a:extLst>
+          </p:cNvPr>
+          <p:cNvSpPr>
+            <a:spLocks noGrp="1"/>
+          </p:cNvSpPr>
+          <p:nvPr>
+            <p:ph type="title"/>
+          </p:nvPr>
+        </p:nvSpPr>
+        <p:spPr/>
+        <p:txBody>
+          <a:bodyPr/>
+          <a:lstStyle/>
+          <a:p>
+            <a:r>
               <a:rPr kumimoji="1" lang="ja-JP" altLang="en-US" dirty="0">
                 <a:latin typeface="UD デジタル 教科書体 NP-R" panose="02020400000000000000" pitchFamily="18" charset="-128"/>
                 <a:ea typeface="UD デジタル 教科書体 NP-R" panose="02020400000000000000" pitchFamily="18" charset="-128"/>
@@ -6907,7 +7272,7 @@
 </p:sld>
 </file>
 
-<file path=ppt/slides/slide5.xml><?xml version="1.0" encoding="utf-8"?>
+<file path=ppt/slides/slide6.xml><?xml version="1.0" encoding="utf-8"?>
 <p:sld xmlns:a="http://schemas.openxmlformats.org/drawingml/2006/main" xmlns:r="http://schemas.openxmlformats.org/officeDocument/2006/relationships" xmlns:p="http://schemas.openxmlformats.org/presentationml/2006/main">
   <p:cSld>
     <p:spTree>

--- a/分析イメージ.pptx
+++ b/分析イメージ.pptx
@@ -9,8 +9,9 @@
     <p:sldId id="261" r:id="rId3"/>
     <p:sldId id="258" r:id="rId4"/>
     <p:sldId id="264" r:id="rId5"/>
-    <p:sldId id="262" r:id="rId6"/>
-    <p:sldId id="260" r:id="rId7"/>
+    <p:sldId id="265" r:id="rId6"/>
+    <p:sldId id="262" r:id="rId7"/>
+    <p:sldId id="260" r:id="rId8"/>
   </p:sldIdLst>
   <p:sldSz cx="12192000" cy="6858000"/>
   <p:notesSz cx="6858000" cy="9144000"/>
@@ -264,7 +265,7 @@
           <a:p>
             <a:fld id="{56B06BC5-3DAC-4251-BF5D-192E8881373E}" type="datetimeFigureOut">
               <a:rPr kumimoji="1" lang="ja-JP" altLang="en-US" smtClean="0"/>
-              <a:t>2023/10/24</a:t>
+              <a:t>2023/10/26</a:t>
             </a:fld>
             <a:endParaRPr kumimoji="1" lang="ja-JP" altLang="en-US"/>
           </a:p>
@@ -494,7 +495,7 @@
           <a:p>
             <a:fld id="{56B06BC5-3DAC-4251-BF5D-192E8881373E}" type="datetimeFigureOut">
               <a:rPr kumimoji="1" lang="ja-JP" altLang="en-US" smtClean="0"/>
-              <a:t>2023/10/24</a:t>
+              <a:t>2023/10/26</a:t>
             </a:fld>
             <a:endParaRPr kumimoji="1" lang="ja-JP" altLang="en-US"/>
           </a:p>
@@ -734,7 +735,7 @@
           <a:p>
             <a:fld id="{56B06BC5-3DAC-4251-BF5D-192E8881373E}" type="datetimeFigureOut">
               <a:rPr kumimoji="1" lang="ja-JP" altLang="en-US" smtClean="0"/>
-              <a:t>2023/10/24</a:t>
+              <a:t>2023/10/26</a:t>
             </a:fld>
             <a:endParaRPr kumimoji="1" lang="ja-JP" altLang="en-US"/>
           </a:p>
@@ -964,7 +965,7 @@
           <a:p>
             <a:fld id="{56B06BC5-3DAC-4251-BF5D-192E8881373E}" type="datetimeFigureOut">
               <a:rPr kumimoji="1" lang="ja-JP" altLang="en-US" smtClean="0"/>
-              <a:t>2023/10/24</a:t>
+              <a:t>2023/10/26</a:t>
             </a:fld>
             <a:endParaRPr kumimoji="1" lang="ja-JP" altLang="en-US"/>
           </a:p>
@@ -1239,7 +1240,7 @@
           <a:p>
             <a:fld id="{56B06BC5-3DAC-4251-BF5D-192E8881373E}" type="datetimeFigureOut">
               <a:rPr kumimoji="1" lang="ja-JP" altLang="en-US" smtClean="0"/>
-              <a:t>2023/10/24</a:t>
+              <a:t>2023/10/26</a:t>
             </a:fld>
             <a:endParaRPr kumimoji="1" lang="ja-JP" altLang="en-US"/>
           </a:p>
@@ -1568,7 +1569,7 @@
           <a:p>
             <a:fld id="{56B06BC5-3DAC-4251-BF5D-192E8881373E}" type="datetimeFigureOut">
               <a:rPr kumimoji="1" lang="ja-JP" altLang="en-US" smtClean="0"/>
-              <a:t>2023/10/24</a:t>
+              <a:t>2023/10/26</a:t>
             </a:fld>
             <a:endParaRPr kumimoji="1" lang="ja-JP" altLang="en-US"/>
           </a:p>
@@ -2044,7 +2045,7 @@
           <a:p>
             <a:fld id="{56B06BC5-3DAC-4251-BF5D-192E8881373E}" type="datetimeFigureOut">
               <a:rPr kumimoji="1" lang="ja-JP" altLang="en-US" smtClean="0"/>
-              <a:t>2023/10/24</a:t>
+              <a:t>2023/10/26</a:t>
             </a:fld>
             <a:endParaRPr kumimoji="1" lang="ja-JP" altLang="en-US"/>
           </a:p>
@@ -2185,7 +2186,7 @@
           <a:p>
             <a:fld id="{56B06BC5-3DAC-4251-BF5D-192E8881373E}" type="datetimeFigureOut">
               <a:rPr kumimoji="1" lang="ja-JP" altLang="en-US" smtClean="0"/>
-              <a:t>2023/10/24</a:t>
+              <a:t>2023/10/26</a:t>
             </a:fld>
             <a:endParaRPr kumimoji="1" lang="ja-JP" altLang="en-US"/>
           </a:p>
@@ -2298,7 +2299,7 @@
           <a:p>
             <a:fld id="{56B06BC5-3DAC-4251-BF5D-192E8881373E}" type="datetimeFigureOut">
               <a:rPr kumimoji="1" lang="ja-JP" altLang="en-US" smtClean="0"/>
-              <a:t>2023/10/24</a:t>
+              <a:t>2023/10/26</a:t>
             </a:fld>
             <a:endParaRPr kumimoji="1" lang="ja-JP" altLang="en-US"/>
           </a:p>
@@ -2641,7 +2642,7 @@
           <a:p>
             <a:fld id="{56B06BC5-3DAC-4251-BF5D-192E8881373E}" type="datetimeFigureOut">
               <a:rPr kumimoji="1" lang="ja-JP" altLang="en-US" smtClean="0"/>
-              <a:t>2023/10/24</a:t>
+              <a:t>2023/10/26</a:t>
             </a:fld>
             <a:endParaRPr kumimoji="1" lang="ja-JP" altLang="en-US"/>
           </a:p>
@@ -2929,7 +2930,7 @@
           <a:p>
             <a:fld id="{56B06BC5-3DAC-4251-BF5D-192E8881373E}" type="datetimeFigureOut">
               <a:rPr kumimoji="1" lang="ja-JP" altLang="en-US" smtClean="0"/>
-              <a:t>2023/10/24</a:t>
+              <a:t>2023/10/26</a:t>
             </a:fld>
             <a:endParaRPr kumimoji="1" lang="ja-JP" altLang="en-US"/>
           </a:p>
@@ -3202,7 +3203,7 @@
           <a:p>
             <a:fld id="{56B06BC5-3DAC-4251-BF5D-192E8881373E}" type="datetimeFigureOut">
               <a:rPr kumimoji="1" lang="ja-JP" altLang="en-US" smtClean="0"/>
-              <a:t>2023/10/24</a:t>
+              <a:t>2023/10/26</a:t>
             </a:fld>
             <a:endParaRPr kumimoji="1" lang="ja-JP" altLang="en-US"/>
           </a:p>
@@ -6818,6 +6819,2194 @@
           <a:lstStyle/>
           <a:p>
             <a:r>
+              <a:rPr kumimoji="1" lang="ja-JP" altLang="en-US">
+                <a:latin typeface="UD デジタル 教科書体 NP-R" panose="02020400000000000000" pitchFamily="18" charset="-128"/>
+                <a:ea typeface="UD デジタル 教科書体 NP-R" panose="02020400000000000000" pitchFamily="18" charset="-128"/>
+              </a:rPr>
+              <a:t>デモ用ファイルの分析イメージ</a:t>
+            </a:r>
+            <a:endParaRPr kumimoji="1" lang="ja-JP" altLang="en-US" dirty="0">
+              <a:latin typeface="UD デジタル 教科書体 NP-R" panose="02020400000000000000" pitchFamily="18" charset="-128"/>
+              <a:ea typeface="UD デジタル 教科書体 NP-R" panose="02020400000000000000" pitchFamily="18" charset="-128"/>
+            </a:endParaRPr>
+          </a:p>
+        </p:txBody>
+      </p:sp>
+      <p:sp>
+        <p:nvSpPr>
+          <p:cNvPr id="20" name="テキスト ボックス 19">
+            <a:extLst>
+              <a:ext uri="{FF2B5EF4-FFF2-40B4-BE49-F238E27FC236}">
+                <a16:creationId xmlns:a16="http://schemas.microsoft.com/office/drawing/2014/main" id="{EDA09574-A4CF-AC6C-122E-9272810B6151}"/>
+              </a:ext>
+            </a:extLst>
+          </p:cNvPr>
+          <p:cNvSpPr txBox="1"/>
+          <p:nvPr/>
+        </p:nvSpPr>
+        <p:spPr>
+          <a:xfrm>
+            <a:off x="7997829" y="5121872"/>
+            <a:ext cx="3262432" cy="830997"/>
+          </a:xfrm>
+          <a:prstGeom prst="rect">
+            <a:avLst/>
+          </a:prstGeom>
+          <a:noFill/>
+        </p:spPr>
+        <p:txBody>
+          <a:bodyPr wrap="none" rtlCol="0">
+            <a:spAutoFit/>
+          </a:bodyPr>
+          <a:lstStyle/>
+          <a:p>
+            <a:pPr algn="ctr"/>
+            <a:r>
+              <a:rPr lang="ja-JP" altLang="en-US" sz="2400" dirty="0" smtClean="0">
+                <a:latin typeface="UD デジタル 教科書体 NP-R" panose="02020400000000000000" pitchFamily="18" charset="-128"/>
+                <a:ea typeface="UD デジタル 教科書体 NP-R" panose="02020400000000000000" pitchFamily="18" charset="-128"/>
+              </a:rPr>
+              <a:t>テキストデータから、</a:t>
+            </a:r>
+            <a:endParaRPr lang="en-US" altLang="ja-JP" sz="2400" dirty="0" smtClean="0">
+              <a:latin typeface="UD デジタル 教科書体 NP-R" panose="02020400000000000000" pitchFamily="18" charset="-128"/>
+              <a:ea typeface="UD デジタル 教科書体 NP-R" panose="02020400000000000000" pitchFamily="18" charset="-128"/>
+            </a:endParaRPr>
+          </a:p>
+          <a:p>
+            <a:pPr algn="ctr"/>
+            <a:r>
+              <a:rPr lang="ja-JP" altLang="en-US" sz="2400" dirty="0" smtClean="0">
+                <a:solidFill>
+                  <a:srgbClr val="FF0000"/>
+                </a:solidFill>
+                <a:latin typeface="UD デジタル 教科書体 NP-R" panose="02020400000000000000" pitchFamily="18" charset="-128"/>
+                <a:ea typeface="UD デジタル 教科書体 NP-R" panose="02020400000000000000" pitchFamily="18" charset="-128"/>
+              </a:rPr>
+              <a:t>特徴点を抽出</a:t>
+            </a:r>
+            <a:r>
+              <a:rPr lang="ja-JP" altLang="en-US" sz="2400" dirty="0" smtClean="0">
+                <a:latin typeface="UD デジタル 教科書体 NP-R" panose="02020400000000000000" pitchFamily="18" charset="-128"/>
+                <a:ea typeface="UD デジタル 教科書体 NP-R" panose="02020400000000000000" pitchFamily="18" charset="-128"/>
+              </a:rPr>
+              <a:t>します</a:t>
+            </a:r>
+            <a:endParaRPr lang="en-US" altLang="ja-JP" sz="2400" dirty="0" smtClean="0">
+              <a:latin typeface="UD デジタル 教科書体 NP-R" panose="02020400000000000000" pitchFamily="18" charset="-128"/>
+              <a:ea typeface="UD デジタル 教科書体 NP-R" panose="02020400000000000000" pitchFamily="18" charset="-128"/>
+            </a:endParaRPr>
+          </a:p>
+        </p:txBody>
+      </p:sp>
+      <p:graphicFrame>
+        <p:nvGraphicFramePr>
+          <p:cNvPr id="4" name="表 3"/>
+          <p:cNvGraphicFramePr>
+            <a:graphicFrameLocks noGrp="1"/>
+          </p:cNvGraphicFramePr>
+          <p:nvPr>
+            <p:extLst>
+              <p:ext uri="{D42A27DB-BD31-4B8C-83A1-F6EECF244321}">
+                <p14:modId xmlns:p14="http://schemas.microsoft.com/office/powerpoint/2010/main" val="1182187375"/>
+              </p:ext>
+            </p:extLst>
+          </p:nvPr>
+        </p:nvGraphicFramePr>
+        <p:xfrm>
+          <a:off x="623128" y="1740927"/>
+          <a:ext cx="5827367" cy="1710932"/>
+        </p:xfrm>
+        <a:graphic>
+          <a:graphicData uri="http://schemas.openxmlformats.org/drawingml/2006/table">
+            <a:tbl>
+              <a:tblPr/>
+              <a:tblGrid>
+                <a:gridCol w="426467">
+                  <a:extLst>
+                    <a:ext uri="{9D8B030D-6E8A-4147-A177-3AD203B41FA5}">
+                      <a16:colId xmlns:a16="http://schemas.microsoft.com/office/drawing/2014/main" val="3630389729"/>
+                    </a:ext>
+                  </a:extLst>
+                </a:gridCol>
+                <a:gridCol w="657978">
+                  <a:extLst>
+                    <a:ext uri="{9D8B030D-6E8A-4147-A177-3AD203B41FA5}">
+                      <a16:colId xmlns:a16="http://schemas.microsoft.com/office/drawing/2014/main" val="2744532177"/>
+                    </a:ext>
+                  </a:extLst>
+                </a:gridCol>
+                <a:gridCol w="4742922">
+                  <a:extLst>
+                    <a:ext uri="{9D8B030D-6E8A-4147-A177-3AD203B41FA5}">
+                      <a16:colId xmlns:a16="http://schemas.microsoft.com/office/drawing/2014/main" val="933318160"/>
+                    </a:ext>
+                  </a:extLst>
+                </a:gridCol>
+              </a:tblGrid>
+              <a:tr h="171450">
+                <a:tc>
+                  <a:txBody>
+                    <a:bodyPr/>
+                    <a:lstStyle/>
+                    <a:p>
+                      <a:pPr algn="ctr" fontAlgn="t"/>
+                      <a:r>
+                        <a:rPr lang="ja-JP" altLang="en-US" sz="1100" b="1" i="0" u="none" strike="noStrike" dirty="0">
+                          <a:solidFill>
+                            <a:srgbClr val="000000"/>
+                          </a:solidFill>
+                          <a:effectLst/>
+                          <a:latin typeface="ＭＳ Ｐゴシック" panose="020B0600070205080204" pitchFamily="50" charset="-128"/>
+                          <a:ea typeface="ＭＳ Ｐゴシック" panose="020B0600070205080204" pitchFamily="50" charset="-128"/>
+                        </a:rPr>
+                        <a:t>学年</a:t>
+                      </a:r>
+                    </a:p>
+                  </a:txBody>
+                  <a:tcPr marL="9525" marR="9525" marT="9525" marB="0">
+                    <a:lnL w="12700" cap="flat" cmpd="sng" algn="ctr">
+                      <a:solidFill>
+                        <a:schemeClr val="tx1"/>
+                      </a:solidFill>
+                      <a:prstDash val="solid"/>
+                      <a:round/>
+                      <a:headEnd type="none" w="med" len="med"/>
+                      <a:tailEnd type="none" w="med" len="med"/>
+                    </a:lnL>
+                    <a:lnR w="12700" cap="flat" cmpd="sng" algn="ctr">
+                      <a:solidFill>
+                        <a:schemeClr val="tx1"/>
+                      </a:solidFill>
+                      <a:prstDash val="solid"/>
+                      <a:round/>
+                      <a:headEnd type="none" w="med" len="med"/>
+                      <a:tailEnd type="none" w="med" len="med"/>
+                    </a:lnR>
+                    <a:lnT w="12700" cap="flat" cmpd="sng" algn="ctr">
+                      <a:solidFill>
+                        <a:schemeClr val="tx1"/>
+                      </a:solidFill>
+                      <a:prstDash val="solid"/>
+                      <a:round/>
+                      <a:headEnd type="none" w="med" len="med"/>
+                      <a:tailEnd type="none" w="med" len="med"/>
+                    </a:lnT>
+                    <a:lnB w="12700" cap="flat" cmpd="sng" algn="ctr">
+                      <a:solidFill>
+                        <a:schemeClr val="tx1"/>
+                      </a:solidFill>
+                      <a:prstDash val="solid"/>
+                      <a:round/>
+                      <a:headEnd type="none" w="med" len="med"/>
+                      <a:tailEnd type="none" w="med" len="med"/>
+                    </a:lnB>
+                    <a:lnTlToBr w="12700" cmpd="sng">
+                      <a:noFill/>
+                      <a:prstDash val="solid"/>
+                    </a:lnTlToBr>
+                    <a:lnBlToTr w="12700" cmpd="sng">
+                      <a:noFill/>
+                      <a:prstDash val="solid"/>
+                    </a:lnBlToTr>
+                  </a:tcPr>
+                </a:tc>
+                <a:tc>
+                  <a:txBody>
+                    <a:bodyPr/>
+                    <a:lstStyle/>
+                    <a:p>
+                      <a:pPr algn="ctr" fontAlgn="t"/>
+                      <a:r>
+                        <a:rPr lang="ja-JP" altLang="en-US" sz="1100" b="1" i="0" u="none" strike="noStrike">
+                          <a:solidFill>
+                            <a:srgbClr val="000000"/>
+                          </a:solidFill>
+                          <a:effectLst/>
+                          <a:latin typeface="ＭＳ Ｐゴシック" panose="020B0600070205080204" pitchFamily="50" charset="-128"/>
+                          <a:ea typeface="ＭＳ Ｐゴシック" panose="020B0600070205080204" pitchFamily="50" charset="-128"/>
+                        </a:rPr>
+                        <a:t>部活動</a:t>
+                      </a:r>
+                    </a:p>
+                  </a:txBody>
+                  <a:tcPr marL="9525" marR="9525" marT="9525" marB="0">
+                    <a:lnL w="12700" cap="flat" cmpd="sng" algn="ctr">
+                      <a:solidFill>
+                        <a:schemeClr val="tx1"/>
+                      </a:solidFill>
+                      <a:prstDash val="solid"/>
+                      <a:round/>
+                      <a:headEnd type="none" w="med" len="med"/>
+                      <a:tailEnd type="none" w="med" len="med"/>
+                    </a:lnL>
+                    <a:lnR w="12700" cap="flat" cmpd="sng" algn="ctr">
+                      <a:solidFill>
+                        <a:schemeClr val="tx1"/>
+                      </a:solidFill>
+                      <a:prstDash val="solid"/>
+                      <a:round/>
+                      <a:headEnd type="none" w="med" len="med"/>
+                      <a:tailEnd type="none" w="med" len="med"/>
+                    </a:lnR>
+                    <a:lnT w="12700" cap="flat" cmpd="sng" algn="ctr">
+                      <a:solidFill>
+                        <a:schemeClr val="tx1"/>
+                      </a:solidFill>
+                      <a:prstDash val="solid"/>
+                      <a:round/>
+                      <a:headEnd type="none" w="med" len="med"/>
+                      <a:tailEnd type="none" w="med" len="med"/>
+                    </a:lnT>
+                    <a:lnB w="12700" cap="flat" cmpd="sng" algn="ctr">
+                      <a:solidFill>
+                        <a:schemeClr val="tx1"/>
+                      </a:solidFill>
+                      <a:prstDash val="solid"/>
+                      <a:round/>
+                      <a:headEnd type="none" w="med" len="med"/>
+                      <a:tailEnd type="none" w="med" len="med"/>
+                    </a:lnB>
+                    <a:lnTlToBr w="12700" cmpd="sng">
+                      <a:noFill/>
+                      <a:prstDash val="solid"/>
+                    </a:lnTlToBr>
+                    <a:lnBlToTr w="12700" cmpd="sng">
+                      <a:noFill/>
+                      <a:prstDash val="solid"/>
+                    </a:lnBlToTr>
+                  </a:tcPr>
+                </a:tc>
+                <a:tc>
+                  <a:txBody>
+                    <a:bodyPr/>
+                    <a:lstStyle/>
+                    <a:p>
+                      <a:pPr algn="ctr" fontAlgn="t"/>
+                      <a:r>
+                        <a:rPr lang="ja-JP" altLang="en-US" sz="1100" b="1" i="0" u="none" strike="noStrike" dirty="0">
+                          <a:solidFill>
+                            <a:srgbClr val="000000"/>
+                          </a:solidFill>
+                          <a:effectLst/>
+                          <a:latin typeface="ＭＳ Ｐゴシック" panose="020B0600070205080204" pitchFamily="50" charset="-128"/>
+                          <a:ea typeface="ＭＳ Ｐゴシック" panose="020B0600070205080204" pitchFamily="50" charset="-128"/>
+                        </a:rPr>
+                        <a:t>今年の抱負</a:t>
+                      </a:r>
+                    </a:p>
+                  </a:txBody>
+                  <a:tcPr marL="9525" marR="9525" marT="9525" marB="0">
+                    <a:lnL w="12700" cap="flat" cmpd="sng" algn="ctr">
+                      <a:solidFill>
+                        <a:schemeClr val="tx1"/>
+                      </a:solidFill>
+                      <a:prstDash val="solid"/>
+                      <a:round/>
+                      <a:headEnd type="none" w="med" len="med"/>
+                      <a:tailEnd type="none" w="med" len="med"/>
+                    </a:lnL>
+                    <a:lnR w="12700" cap="flat" cmpd="sng" algn="ctr">
+                      <a:solidFill>
+                        <a:schemeClr val="tx1"/>
+                      </a:solidFill>
+                      <a:prstDash val="solid"/>
+                      <a:round/>
+                      <a:headEnd type="none" w="med" len="med"/>
+                      <a:tailEnd type="none" w="med" len="med"/>
+                    </a:lnR>
+                    <a:lnT w="12700" cap="flat" cmpd="sng" algn="ctr">
+                      <a:solidFill>
+                        <a:schemeClr val="tx1"/>
+                      </a:solidFill>
+                      <a:prstDash val="solid"/>
+                      <a:round/>
+                      <a:headEnd type="none" w="med" len="med"/>
+                      <a:tailEnd type="none" w="med" len="med"/>
+                    </a:lnT>
+                    <a:lnB w="12700" cap="flat" cmpd="sng" algn="ctr">
+                      <a:solidFill>
+                        <a:schemeClr val="tx1"/>
+                      </a:solidFill>
+                      <a:prstDash val="solid"/>
+                      <a:round/>
+                      <a:headEnd type="none" w="med" len="med"/>
+                      <a:tailEnd type="none" w="med" len="med"/>
+                    </a:lnB>
+                    <a:lnTlToBr w="12700" cmpd="sng">
+                      <a:noFill/>
+                      <a:prstDash val="solid"/>
+                    </a:lnTlToBr>
+                    <a:lnBlToTr w="12700" cmpd="sng">
+                      <a:noFill/>
+                      <a:prstDash val="solid"/>
+                    </a:lnBlToTr>
+                  </a:tcPr>
+                </a:tc>
+                <a:extLst>
+                  <a:ext uri="{0D108BD9-81ED-4DB2-BD59-A6C34878D82A}">
+                    <a16:rowId xmlns:a16="http://schemas.microsoft.com/office/drawing/2014/main" val="5011263"/>
+                  </a:ext>
+                </a:extLst>
+              </a:tr>
+              <a:tr h="171450">
+                <a:tc>
+                  <a:txBody>
+                    <a:bodyPr/>
+                    <a:lstStyle/>
+                    <a:p>
+                      <a:pPr algn="l" fontAlgn="b"/>
+                      <a:r>
+                        <a:rPr lang="ja-JP" altLang="en-US" sz="1100" b="0" i="0" u="none" strike="noStrike">
+                          <a:solidFill>
+                            <a:srgbClr val="000000"/>
+                          </a:solidFill>
+                          <a:effectLst/>
+                          <a:latin typeface="ＭＳ Ｐゴシック" panose="020B0600070205080204" pitchFamily="50" charset="-128"/>
+                          <a:ea typeface="ＭＳ Ｐゴシック" panose="020B0600070205080204" pitchFamily="50" charset="-128"/>
+                        </a:rPr>
+                        <a:t>２年</a:t>
+                      </a:r>
+                    </a:p>
+                  </a:txBody>
+                  <a:tcPr marL="9525" marR="9525" marT="9525" marB="0" anchor="b">
+                    <a:lnL w="12700" cap="flat" cmpd="sng" algn="ctr">
+                      <a:solidFill>
+                        <a:schemeClr val="tx1"/>
+                      </a:solidFill>
+                      <a:prstDash val="solid"/>
+                      <a:round/>
+                      <a:headEnd type="none" w="med" len="med"/>
+                      <a:tailEnd type="none" w="med" len="med"/>
+                    </a:lnL>
+                    <a:lnR w="12700" cap="flat" cmpd="sng" algn="ctr">
+                      <a:solidFill>
+                        <a:schemeClr val="tx1"/>
+                      </a:solidFill>
+                      <a:prstDash val="solid"/>
+                      <a:round/>
+                      <a:headEnd type="none" w="med" len="med"/>
+                      <a:tailEnd type="none" w="med" len="med"/>
+                    </a:lnR>
+                    <a:lnT w="12700" cap="flat" cmpd="sng" algn="ctr">
+                      <a:solidFill>
+                        <a:schemeClr val="tx1"/>
+                      </a:solidFill>
+                      <a:prstDash val="solid"/>
+                      <a:round/>
+                      <a:headEnd type="none" w="med" len="med"/>
+                      <a:tailEnd type="none" w="med" len="med"/>
+                    </a:lnT>
+                    <a:lnB w="12700" cap="flat" cmpd="sng" algn="ctr">
+                      <a:solidFill>
+                        <a:schemeClr val="tx1"/>
+                      </a:solidFill>
+                      <a:prstDash val="solid"/>
+                      <a:round/>
+                      <a:headEnd type="none" w="med" len="med"/>
+                      <a:tailEnd type="none" w="med" len="med"/>
+                    </a:lnB>
+                    <a:lnTlToBr w="12700" cmpd="sng">
+                      <a:noFill/>
+                      <a:prstDash val="solid"/>
+                    </a:lnTlToBr>
+                    <a:lnBlToTr w="12700" cmpd="sng">
+                      <a:noFill/>
+                      <a:prstDash val="solid"/>
+                    </a:lnBlToTr>
+                  </a:tcPr>
+                </a:tc>
+                <a:tc>
+                  <a:txBody>
+                    <a:bodyPr/>
+                    <a:lstStyle/>
+                    <a:p>
+                      <a:pPr algn="l" fontAlgn="b"/>
+                      <a:r>
+                        <a:rPr lang="ja-JP" altLang="en-US" sz="1100" b="0" i="0" u="none" strike="noStrike">
+                          <a:solidFill>
+                            <a:srgbClr val="000000"/>
+                          </a:solidFill>
+                          <a:effectLst/>
+                          <a:latin typeface="ＭＳ Ｐゴシック" panose="020B0600070205080204" pitchFamily="50" charset="-128"/>
+                          <a:ea typeface="ＭＳ Ｐゴシック" panose="020B0600070205080204" pitchFamily="50" charset="-128"/>
+                        </a:rPr>
+                        <a:t>所属無し</a:t>
+                      </a:r>
+                    </a:p>
+                  </a:txBody>
+                  <a:tcPr marL="9525" marR="9525" marT="9525" marB="0" anchor="b">
+                    <a:lnL w="12700" cap="flat" cmpd="sng" algn="ctr">
+                      <a:solidFill>
+                        <a:schemeClr val="tx1"/>
+                      </a:solidFill>
+                      <a:prstDash val="solid"/>
+                      <a:round/>
+                      <a:headEnd type="none" w="med" len="med"/>
+                      <a:tailEnd type="none" w="med" len="med"/>
+                    </a:lnL>
+                    <a:lnR w="12700" cap="flat" cmpd="sng" algn="ctr">
+                      <a:solidFill>
+                        <a:schemeClr val="tx1"/>
+                      </a:solidFill>
+                      <a:prstDash val="solid"/>
+                      <a:round/>
+                      <a:headEnd type="none" w="med" len="med"/>
+                      <a:tailEnd type="none" w="med" len="med"/>
+                    </a:lnR>
+                    <a:lnT w="12700" cap="flat" cmpd="sng" algn="ctr">
+                      <a:solidFill>
+                        <a:schemeClr val="tx1"/>
+                      </a:solidFill>
+                      <a:prstDash val="solid"/>
+                      <a:round/>
+                      <a:headEnd type="none" w="med" len="med"/>
+                      <a:tailEnd type="none" w="med" len="med"/>
+                    </a:lnT>
+                    <a:lnB w="12700" cap="flat" cmpd="sng" algn="ctr">
+                      <a:solidFill>
+                        <a:schemeClr val="tx1"/>
+                      </a:solidFill>
+                      <a:prstDash val="solid"/>
+                      <a:round/>
+                      <a:headEnd type="none" w="med" len="med"/>
+                      <a:tailEnd type="none" w="med" len="med"/>
+                    </a:lnB>
+                    <a:lnTlToBr w="12700" cmpd="sng">
+                      <a:noFill/>
+                      <a:prstDash val="solid"/>
+                    </a:lnTlToBr>
+                    <a:lnBlToTr w="12700" cmpd="sng">
+                      <a:noFill/>
+                      <a:prstDash val="solid"/>
+                    </a:lnBlToTr>
+                  </a:tcPr>
+                </a:tc>
+                <a:tc>
+                  <a:txBody>
+                    <a:bodyPr/>
+                    <a:lstStyle/>
+                    <a:p>
+                      <a:pPr algn="l" fontAlgn="b"/>
+                      <a:r>
+                        <a:rPr lang="ja-JP" altLang="en-US" sz="1100" b="0" i="0" u="none" strike="noStrike">
+                          <a:solidFill>
+                            <a:srgbClr val="000000"/>
+                          </a:solidFill>
+                          <a:effectLst/>
+                          <a:latin typeface="ＭＳ Ｐゴシック" panose="020B0600070205080204" pitchFamily="50" charset="-128"/>
+                          <a:ea typeface="ＭＳ Ｐゴシック" panose="020B0600070205080204" pitchFamily="50" charset="-128"/>
+                        </a:rPr>
+                        <a:t>今年は時間を大切にする、専門の本を読みながらつもりです。</a:t>
+                      </a:r>
+                    </a:p>
+                  </a:txBody>
+                  <a:tcPr marL="9525" marR="9525" marT="9525" marB="0" anchor="b">
+                    <a:lnL w="12700" cap="flat" cmpd="sng" algn="ctr">
+                      <a:solidFill>
+                        <a:schemeClr val="tx1"/>
+                      </a:solidFill>
+                      <a:prstDash val="solid"/>
+                      <a:round/>
+                      <a:headEnd type="none" w="med" len="med"/>
+                      <a:tailEnd type="none" w="med" len="med"/>
+                    </a:lnL>
+                    <a:lnR w="12700" cap="flat" cmpd="sng" algn="ctr">
+                      <a:solidFill>
+                        <a:schemeClr val="tx1"/>
+                      </a:solidFill>
+                      <a:prstDash val="solid"/>
+                      <a:round/>
+                      <a:headEnd type="none" w="med" len="med"/>
+                      <a:tailEnd type="none" w="med" len="med"/>
+                    </a:lnR>
+                    <a:lnT w="12700" cap="flat" cmpd="sng" algn="ctr">
+                      <a:solidFill>
+                        <a:schemeClr val="tx1"/>
+                      </a:solidFill>
+                      <a:prstDash val="solid"/>
+                      <a:round/>
+                      <a:headEnd type="none" w="med" len="med"/>
+                      <a:tailEnd type="none" w="med" len="med"/>
+                    </a:lnT>
+                    <a:lnB w="12700" cap="flat" cmpd="sng" algn="ctr">
+                      <a:solidFill>
+                        <a:schemeClr val="tx1"/>
+                      </a:solidFill>
+                      <a:prstDash val="solid"/>
+                      <a:round/>
+                      <a:headEnd type="none" w="med" len="med"/>
+                      <a:tailEnd type="none" w="med" len="med"/>
+                    </a:lnB>
+                    <a:lnTlToBr w="12700" cmpd="sng">
+                      <a:noFill/>
+                      <a:prstDash val="solid"/>
+                    </a:lnTlToBr>
+                    <a:lnBlToTr w="12700" cmpd="sng">
+                      <a:noFill/>
+                      <a:prstDash val="solid"/>
+                    </a:lnBlToTr>
+                  </a:tcPr>
+                </a:tc>
+                <a:extLst>
+                  <a:ext uri="{0D108BD9-81ED-4DB2-BD59-A6C34878D82A}">
+                    <a16:rowId xmlns:a16="http://schemas.microsoft.com/office/drawing/2014/main" val="72986808"/>
+                  </a:ext>
+                </a:extLst>
+              </a:tr>
+              <a:tr h="171450">
+                <a:tc>
+                  <a:txBody>
+                    <a:bodyPr/>
+                    <a:lstStyle/>
+                    <a:p>
+                      <a:pPr algn="l" fontAlgn="b"/>
+                      <a:r>
+                        <a:rPr lang="ja-JP" altLang="en-US" sz="1100" b="0" i="0" u="none" strike="noStrike">
+                          <a:solidFill>
+                            <a:srgbClr val="000000"/>
+                          </a:solidFill>
+                          <a:effectLst/>
+                          <a:latin typeface="ＭＳ Ｐゴシック" panose="020B0600070205080204" pitchFamily="50" charset="-128"/>
+                          <a:ea typeface="ＭＳ Ｐゴシック" panose="020B0600070205080204" pitchFamily="50" charset="-128"/>
+                        </a:rPr>
+                        <a:t>３年</a:t>
+                      </a:r>
+                    </a:p>
+                  </a:txBody>
+                  <a:tcPr marL="9525" marR="9525" marT="9525" marB="0" anchor="b">
+                    <a:lnL w="12700" cap="flat" cmpd="sng" algn="ctr">
+                      <a:solidFill>
+                        <a:schemeClr val="tx1"/>
+                      </a:solidFill>
+                      <a:prstDash val="solid"/>
+                      <a:round/>
+                      <a:headEnd type="none" w="med" len="med"/>
+                      <a:tailEnd type="none" w="med" len="med"/>
+                    </a:lnL>
+                    <a:lnR w="12700" cap="flat" cmpd="sng" algn="ctr">
+                      <a:solidFill>
+                        <a:schemeClr val="tx1"/>
+                      </a:solidFill>
+                      <a:prstDash val="solid"/>
+                      <a:round/>
+                      <a:headEnd type="none" w="med" len="med"/>
+                      <a:tailEnd type="none" w="med" len="med"/>
+                    </a:lnR>
+                    <a:lnT w="12700" cap="flat" cmpd="sng" algn="ctr">
+                      <a:solidFill>
+                        <a:schemeClr val="tx1"/>
+                      </a:solidFill>
+                      <a:prstDash val="solid"/>
+                      <a:round/>
+                      <a:headEnd type="none" w="med" len="med"/>
+                      <a:tailEnd type="none" w="med" len="med"/>
+                    </a:lnT>
+                    <a:lnB w="12700" cap="flat" cmpd="sng" algn="ctr">
+                      <a:solidFill>
+                        <a:schemeClr val="tx1"/>
+                      </a:solidFill>
+                      <a:prstDash val="solid"/>
+                      <a:round/>
+                      <a:headEnd type="none" w="med" len="med"/>
+                      <a:tailEnd type="none" w="med" len="med"/>
+                    </a:lnB>
+                    <a:lnTlToBr w="12700" cmpd="sng">
+                      <a:noFill/>
+                      <a:prstDash val="solid"/>
+                    </a:lnTlToBr>
+                    <a:lnBlToTr w="12700" cmpd="sng">
+                      <a:noFill/>
+                      <a:prstDash val="solid"/>
+                    </a:lnBlToTr>
+                  </a:tcPr>
+                </a:tc>
+                <a:tc>
+                  <a:txBody>
+                    <a:bodyPr/>
+                    <a:lstStyle/>
+                    <a:p>
+                      <a:pPr algn="l" fontAlgn="b"/>
+                      <a:r>
+                        <a:rPr lang="ja-JP" altLang="en-US" sz="1100" b="0" i="0" u="none" strike="noStrike">
+                          <a:solidFill>
+                            <a:srgbClr val="000000"/>
+                          </a:solidFill>
+                          <a:effectLst/>
+                          <a:latin typeface="ＭＳ Ｐゴシック" panose="020B0600070205080204" pitchFamily="50" charset="-128"/>
+                          <a:ea typeface="ＭＳ Ｐゴシック" panose="020B0600070205080204" pitchFamily="50" charset="-128"/>
+                        </a:rPr>
+                        <a:t>文化部</a:t>
+                      </a:r>
+                    </a:p>
+                  </a:txBody>
+                  <a:tcPr marL="9525" marR="9525" marT="9525" marB="0" anchor="b">
+                    <a:lnL w="12700" cap="flat" cmpd="sng" algn="ctr">
+                      <a:solidFill>
+                        <a:schemeClr val="tx1"/>
+                      </a:solidFill>
+                      <a:prstDash val="solid"/>
+                      <a:round/>
+                      <a:headEnd type="none" w="med" len="med"/>
+                      <a:tailEnd type="none" w="med" len="med"/>
+                    </a:lnL>
+                    <a:lnR w="12700" cap="flat" cmpd="sng" algn="ctr">
+                      <a:solidFill>
+                        <a:schemeClr val="tx1"/>
+                      </a:solidFill>
+                      <a:prstDash val="solid"/>
+                      <a:round/>
+                      <a:headEnd type="none" w="med" len="med"/>
+                      <a:tailEnd type="none" w="med" len="med"/>
+                    </a:lnR>
+                    <a:lnT w="12700" cap="flat" cmpd="sng" algn="ctr">
+                      <a:solidFill>
+                        <a:schemeClr val="tx1"/>
+                      </a:solidFill>
+                      <a:prstDash val="solid"/>
+                      <a:round/>
+                      <a:headEnd type="none" w="med" len="med"/>
+                      <a:tailEnd type="none" w="med" len="med"/>
+                    </a:lnT>
+                    <a:lnB w="12700" cap="flat" cmpd="sng" algn="ctr">
+                      <a:solidFill>
+                        <a:schemeClr val="tx1"/>
+                      </a:solidFill>
+                      <a:prstDash val="solid"/>
+                      <a:round/>
+                      <a:headEnd type="none" w="med" len="med"/>
+                      <a:tailEnd type="none" w="med" len="med"/>
+                    </a:lnB>
+                    <a:lnTlToBr w="12700" cmpd="sng">
+                      <a:noFill/>
+                      <a:prstDash val="solid"/>
+                    </a:lnTlToBr>
+                    <a:lnBlToTr w="12700" cmpd="sng">
+                      <a:noFill/>
+                      <a:prstDash val="solid"/>
+                    </a:lnBlToTr>
+                  </a:tcPr>
+                </a:tc>
+                <a:tc>
+                  <a:txBody>
+                    <a:bodyPr/>
+                    <a:lstStyle/>
+                    <a:p>
+                      <a:pPr algn="l" fontAlgn="b"/>
+                      <a:r>
+                        <a:rPr lang="ja-JP" altLang="en-US" sz="1100" b="0" i="0" u="none" strike="noStrike" dirty="0">
+                          <a:solidFill>
+                            <a:srgbClr val="000000"/>
+                          </a:solidFill>
+                          <a:effectLst/>
+                          <a:latin typeface="ＭＳ Ｐゴシック" panose="020B0600070205080204" pitchFamily="50" charset="-128"/>
+                          <a:ea typeface="ＭＳ Ｐゴシック" panose="020B0600070205080204" pitchFamily="50" charset="-128"/>
+                        </a:rPr>
+                        <a:t>今年はもっと勉強に励む、リラックスする時間も確保しつもりです。</a:t>
+                      </a:r>
+                    </a:p>
+                  </a:txBody>
+                  <a:tcPr marL="9525" marR="9525" marT="9525" marB="0" anchor="b">
+                    <a:lnL w="12700" cap="flat" cmpd="sng" algn="ctr">
+                      <a:solidFill>
+                        <a:schemeClr val="tx1"/>
+                      </a:solidFill>
+                      <a:prstDash val="solid"/>
+                      <a:round/>
+                      <a:headEnd type="none" w="med" len="med"/>
+                      <a:tailEnd type="none" w="med" len="med"/>
+                    </a:lnL>
+                    <a:lnR w="12700" cap="flat" cmpd="sng" algn="ctr">
+                      <a:solidFill>
+                        <a:schemeClr val="tx1"/>
+                      </a:solidFill>
+                      <a:prstDash val="solid"/>
+                      <a:round/>
+                      <a:headEnd type="none" w="med" len="med"/>
+                      <a:tailEnd type="none" w="med" len="med"/>
+                    </a:lnR>
+                    <a:lnT w="12700" cap="flat" cmpd="sng" algn="ctr">
+                      <a:solidFill>
+                        <a:schemeClr val="tx1"/>
+                      </a:solidFill>
+                      <a:prstDash val="solid"/>
+                      <a:round/>
+                      <a:headEnd type="none" w="med" len="med"/>
+                      <a:tailEnd type="none" w="med" len="med"/>
+                    </a:lnT>
+                    <a:lnB w="12700" cap="flat" cmpd="sng" algn="ctr">
+                      <a:solidFill>
+                        <a:schemeClr val="tx1"/>
+                      </a:solidFill>
+                      <a:prstDash val="solid"/>
+                      <a:round/>
+                      <a:headEnd type="none" w="med" len="med"/>
+                      <a:tailEnd type="none" w="med" len="med"/>
+                    </a:lnB>
+                    <a:lnTlToBr w="12700" cmpd="sng">
+                      <a:noFill/>
+                      <a:prstDash val="solid"/>
+                    </a:lnTlToBr>
+                    <a:lnBlToTr w="12700" cmpd="sng">
+                      <a:noFill/>
+                      <a:prstDash val="solid"/>
+                    </a:lnBlToTr>
+                  </a:tcPr>
+                </a:tc>
+                <a:extLst>
+                  <a:ext uri="{0D108BD9-81ED-4DB2-BD59-A6C34878D82A}">
+                    <a16:rowId xmlns:a16="http://schemas.microsoft.com/office/drawing/2014/main" val="2456339884"/>
+                  </a:ext>
+                </a:extLst>
+              </a:tr>
+              <a:tr h="171450">
+                <a:tc>
+                  <a:txBody>
+                    <a:bodyPr/>
+                    <a:lstStyle/>
+                    <a:p>
+                      <a:pPr algn="l" fontAlgn="b"/>
+                      <a:r>
+                        <a:rPr lang="ja-JP" altLang="en-US" sz="1100" b="0" i="0" u="none" strike="noStrike">
+                          <a:solidFill>
+                            <a:srgbClr val="000000"/>
+                          </a:solidFill>
+                          <a:effectLst/>
+                          <a:latin typeface="ＭＳ Ｐゴシック" panose="020B0600070205080204" pitchFamily="50" charset="-128"/>
+                          <a:ea typeface="ＭＳ Ｐゴシック" panose="020B0600070205080204" pitchFamily="50" charset="-128"/>
+                        </a:rPr>
+                        <a:t>２年</a:t>
+                      </a:r>
+                    </a:p>
+                  </a:txBody>
+                  <a:tcPr marL="9525" marR="9525" marT="9525" marB="0" anchor="b">
+                    <a:lnL w="12700" cap="flat" cmpd="sng" algn="ctr">
+                      <a:solidFill>
+                        <a:schemeClr val="tx1"/>
+                      </a:solidFill>
+                      <a:prstDash val="solid"/>
+                      <a:round/>
+                      <a:headEnd type="none" w="med" len="med"/>
+                      <a:tailEnd type="none" w="med" len="med"/>
+                    </a:lnL>
+                    <a:lnR w="12700" cap="flat" cmpd="sng" algn="ctr">
+                      <a:solidFill>
+                        <a:schemeClr val="tx1"/>
+                      </a:solidFill>
+                      <a:prstDash val="solid"/>
+                      <a:round/>
+                      <a:headEnd type="none" w="med" len="med"/>
+                      <a:tailEnd type="none" w="med" len="med"/>
+                    </a:lnR>
+                    <a:lnT w="12700" cap="flat" cmpd="sng" algn="ctr">
+                      <a:solidFill>
+                        <a:schemeClr val="tx1"/>
+                      </a:solidFill>
+                      <a:prstDash val="solid"/>
+                      <a:round/>
+                      <a:headEnd type="none" w="med" len="med"/>
+                      <a:tailEnd type="none" w="med" len="med"/>
+                    </a:lnT>
+                    <a:lnB w="12700" cap="flat" cmpd="sng" algn="ctr">
+                      <a:solidFill>
+                        <a:schemeClr val="tx1"/>
+                      </a:solidFill>
+                      <a:prstDash val="solid"/>
+                      <a:round/>
+                      <a:headEnd type="none" w="med" len="med"/>
+                      <a:tailEnd type="none" w="med" len="med"/>
+                    </a:lnB>
+                    <a:lnTlToBr w="12700" cmpd="sng">
+                      <a:noFill/>
+                      <a:prstDash val="solid"/>
+                    </a:lnTlToBr>
+                    <a:lnBlToTr w="12700" cmpd="sng">
+                      <a:noFill/>
+                      <a:prstDash val="solid"/>
+                    </a:lnBlToTr>
+                  </a:tcPr>
+                </a:tc>
+                <a:tc>
+                  <a:txBody>
+                    <a:bodyPr/>
+                    <a:lstStyle/>
+                    <a:p>
+                      <a:pPr algn="l" fontAlgn="b"/>
+                      <a:r>
+                        <a:rPr lang="ja-JP" altLang="en-US" sz="1100" b="0" i="0" u="none" strike="noStrike">
+                          <a:solidFill>
+                            <a:srgbClr val="000000"/>
+                          </a:solidFill>
+                          <a:effectLst/>
+                          <a:latin typeface="ＭＳ Ｐゴシック" panose="020B0600070205080204" pitchFamily="50" charset="-128"/>
+                          <a:ea typeface="ＭＳ Ｐゴシック" panose="020B0600070205080204" pitchFamily="50" charset="-128"/>
+                        </a:rPr>
+                        <a:t>文化部</a:t>
+                      </a:r>
+                    </a:p>
+                  </a:txBody>
+                  <a:tcPr marL="9525" marR="9525" marT="9525" marB="0" anchor="b">
+                    <a:lnL w="12700" cap="flat" cmpd="sng" algn="ctr">
+                      <a:solidFill>
+                        <a:schemeClr val="tx1"/>
+                      </a:solidFill>
+                      <a:prstDash val="solid"/>
+                      <a:round/>
+                      <a:headEnd type="none" w="med" len="med"/>
+                      <a:tailEnd type="none" w="med" len="med"/>
+                    </a:lnL>
+                    <a:lnR w="12700" cap="flat" cmpd="sng" algn="ctr">
+                      <a:solidFill>
+                        <a:schemeClr val="tx1"/>
+                      </a:solidFill>
+                      <a:prstDash val="solid"/>
+                      <a:round/>
+                      <a:headEnd type="none" w="med" len="med"/>
+                      <a:tailEnd type="none" w="med" len="med"/>
+                    </a:lnR>
+                    <a:lnT w="12700" cap="flat" cmpd="sng" algn="ctr">
+                      <a:solidFill>
+                        <a:schemeClr val="tx1"/>
+                      </a:solidFill>
+                      <a:prstDash val="solid"/>
+                      <a:round/>
+                      <a:headEnd type="none" w="med" len="med"/>
+                      <a:tailEnd type="none" w="med" len="med"/>
+                    </a:lnT>
+                    <a:lnB w="12700" cap="flat" cmpd="sng" algn="ctr">
+                      <a:solidFill>
+                        <a:schemeClr val="tx1"/>
+                      </a:solidFill>
+                      <a:prstDash val="solid"/>
+                      <a:round/>
+                      <a:headEnd type="none" w="med" len="med"/>
+                      <a:tailEnd type="none" w="med" len="med"/>
+                    </a:lnB>
+                    <a:lnTlToBr w="12700" cmpd="sng">
+                      <a:noFill/>
+                      <a:prstDash val="solid"/>
+                    </a:lnTlToBr>
+                    <a:lnBlToTr w="12700" cmpd="sng">
+                      <a:noFill/>
+                      <a:prstDash val="solid"/>
+                    </a:lnBlToTr>
+                  </a:tcPr>
+                </a:tc>
+                <a:tc>
+                  <a:txBody>
+                    <a:bodyPr/>
+                    <a:lstStyle/>
+                    <a:p>
+                      <a:pPr algn="l" fontAlgn="b"/>
+                      <a:r>
+                        <a:rPr lang="ja-JP" altLang="en-US" sz="1100" b="0" i="0" u="none" strike="noStrike" dirty="0">
+                          <a:solidFill>
+                            <a:srgbClr val="000000"/>
+                          </a:solidFill>
+                          <a:effectLst/>
+                          <a:latin typeface="ＭＳ Ｐゴシック" panose="020B0600070205080204" pitchFamily="50" charset="-128"/>
+                          <a:ea typeface="ＭＳ Ｐゴシック" panose="020B0600070205080204" pitchFamily="50" charset="-128"/>
+                        </a:rPr>
+                        <a:t>私の目標は読書の習慣をつける、そのために毎日のルーチンを見直しします。</a:t>
+                      </a:r>
+                    </a:p>
+                  </a:txBody>
+                  <a:tcPr marL="9525" marR="9525" marT="9525" marB="0" anchor="b">
+                    <a:lnL w="12700" cap="flat" cmpd="sng" algn="ctr">
+                      <a:solidFill>
+                        <a:schemeClr val="tx1"/>
+                      </a:solidFill>
+                      <a:prstDash val="solid"/>
+                      <a:round/>
+                      <a:headEnd type="none" w="med" len="med"/>
+                      <a:tailEnd type="none" w="med" len="med"/>
+                    </a:lnL>
+                    <a:lnR w="12700" cap="flat" cmpd="sng" algn="ctr">
+                      <a:solidFill>
+                        <a:schemeClr val="tx1"/>
+                      </a:solidFill>
+                      <a:prstDash val="solid"/>
+                      <a:round/>
+                      <a:headEnd type="none" w="med" len="med"/>
+                      <a:tailEnd type="none" w="med" len="med"/>
+                    </a:lnR>
+                    <a:lnT w="12700" cap="flat" cmpd="sng" algn="ctr">
+                      <a:solidFill>
+                        <a:schemeClr val="tx1"/>
+                      </a:solidFill>
+                      <a:prstDash val="solid"/>
+                      <a:round/>
+                      <a:headEnd type="none" w="med" len="med"/>
+                      <a:tailEnd type="none" w="med" len="med"/>
+                    </a:lnT>
+                    <a:lnB w="12700" cap="flat" cmpd="sng" algn="ctr">
+                      <a:solidFill>
+                        <a:schemeClr val="tx1"/>
+                      </a:solidFill>
+                      <a:prstDash val="solid"/>
+                      <a:round/>
+                      <a:headEnd type="none" w="med" len="med"/>
+                      <a:tailEnd type="none" w="med" len="med"/>
+                    </a:lnB>
+                    <a:lnTlToBr w="12700" cmpd="sng">
+                      <a:noFill/>
+                      <a:prstDash val="solid"/>
+                    </a:lnTlToBr>
+                    <a:lnBlToTr w="12700" cmpd="sng">
+                      <a:noFill/>
+                      <a:prstDash val="solid"/>
+                    </a:lnBlToTr>
+                  </a:tcPr>
+                </a:tc>
+                <a:extLst>
+                  <a:ext uri="{0D108BD9-81ED-4DB2-BD59-A6C34878D82A}">
+                    <a16:rowId xmlns:a16="http://schemas.microsoft.com/office/drawing/2014/main" val="1746070732"/>
+                  </a:ext>
+                </a:extLst>
+              </a:tr>
+              <a:tr h="171450">
+                <a:tc gridSpan="3">
+                  <a:txBody>
+                    <a:bodyPr/>
+                    <a:lstStyle/>
+                    <a:p>
+                      <a:pPr algn="ctr" fontAlgn="b"/>
+                      <a:r>
+                        <a:rPr lang="en-US" altLang="ja-JP" sz="1100" b="0" i="0" u="none" strike="noStrike" dirty="0" smtClean="0">
+                          <a:solidFill>
+                            <a:srgbClr val="000000"/>
+                          </a:solidFill>
+                          <a:effectLst/>
+                          <a:latin typeface="ＭＳ Ｐゴシック" panose="020B0600070205080204" pitchFamily="50" charset="-128"/>
+                          <a:ea typeface="ＭＳ Ｐゴシック" panose="020B0600070205080204" pitchFamily="50" charset="-128"/>
+                        </a:rPr>
+                        <a:t>…</a:t>
+                      </a:r>
+                      <a:endParaRPr lang="ja-JP" altLang="en-US" sz="1100" b="0" i="0" u="none" strike="noStrike" dirty="0">
+                        <a:solidFill>
+                          <a:srgbClr val="000000"/>
+                        </a:solidFill>
+                        <a:effectLst/>
+                        <a:latin typeface="ＭＳ Ｐゴシック" panose="020B0600070205080204" pitchFamily="50" charset="-128"/>
+                        <a:ea typeface="ＭＳ Ｐゴシック" panose="020B0600070205080204" pitchFamily="50" charset="-128"/>
+                      </a:endParaRPr>
+                    </a:p>
+                  </a:txBody>
+                  <a:tcPr marL="9525" marR="9525" marT="9525" marB="0" vert="eaVert" anchor="ctr">
+                    <a:lnL w="12700" cap="flat" cmpd="sng" algn="ctr">
+                      <a:noFill/>
+                      <a:prstDash val="solid"/>
+                      <a:round/>
+                      <a:headEnd type="none" w="med" len="med"/>
+                      <a:tailEnd type="none" w="med" len="med"/>
+                    </a:lnL>
+                    <a:lnR w="12700" cap="flat" cmpd="sng" algn="ctr">
+                      <a:noFill/>
+                      <a:prstDash val="solid"/>
+                      <a:round/>
+                      <a:headEnd type="none" w="med" len="med"/>
+                      <a:tailEnd type="none" w="med" len="med"/>
+                    </a:lnR>
+                    <a:lnT w="12700" cap="flat" cmpd="sng" algn="ctr">
+                      <a:solidFill>
+                        <a:schemeClr val="tx1"/>
+                      </a:solidFill>
+                      <a:prstDash val="solid"/>
+                      <a:round/>
+                      <a:headEnd type="none" w="med" len="med"/>
+                      <a:tailEnd type="none" w="med" len="med"/>
+                    </a:lnT>
+                    <a:lnB w="12700" cap="flat" cmpd="sng" algn="ctr">
+                      <a:solidFill>
+                        <a:schemeClr val="tx1"/>
+                      </a:solidFill>
+                      <a:prstDash val="solid"/>
+                      <a:round/>
+                      <a:headEnd type="none" w="med" len="med"/>
+                      <a:tailEnd type="none" w="med" len="med"/>
+                    </a:lnB>
+                    <a:lnTlToBr w="12700" cmpd="sng">
+                      <a:noFill/>
+                      <a:prstDash val="solid"/>
+                    </a:lnTlToBr>
+                    <a:lnBlToTr w="12700" cmpd="sng">
+                      <a:noFill/>
+                      <a:prstDash val="solid"/>
+                    </a:lnBlToTr>
+                  </a:tcPr>
+                </a:tc>
+                <a:tc hMerge="1">
+                  <a:txBody>
+                    <a:bodyPr/>
+                    <a:lstStyle/>
+                    <a:p>
+                      <a:pPr algn="l" fontAlgn="b"/>
+                      <a:endParaRPr lang="ja-JP" altLang="en-US" sz="1100" b="0" i="0" u="none" strike="noStrike" dirty="0">
+                        <a:solidFill>
+                          <a:srgbClr val="000000"/>
+                        </a:solidFill>
+                        <a:effectLst/>
+                        <a:latin typeface="ＭＳ Ｐゴシック" panose="020B0600070205080204" pitchFamily="50" charset="-128"/>
+                        <a:ea typeface="ＭＳ Ｐゴシック" panose="020B0600070205080204" pitchFamily="50" charset="-128"/>
+                      </a:endParaRPr>
+                    </a:p>
+                  </a:txBody>
+                  <a:tcPr marL="9525" marR="9525" marT="9525" marB="0" anchor="b">
+                    <a:lnL w="12700" cap="flat" cmpd="sng" algn="ctr">
+                      <a:noFill/>
+                      <a:prstDash val="solid"/>
+                      <a:round/>
+                      <a:headEnd type="none" w="med" len="med"/>
+                      <a:tailEnd type="none" w="med" len="med"/>
+                    </a:lnL>
+                    <a:lnR w="12700" cap="flat" cmpd="sng" algn="ctr">
+                      <a:noFill/>
+                      <a:prstDash val="solid"/>
+                      <a:round/>
+                      <a:headEnd type="none" w="med" len="med"/>
+                      <a:tailEnd type="none" w="med" len="med"/>
+                    </a:lnR>
+                    <a:lnT w="12700" cap="flat" cmpd="sng" algn="ctr">
+                      <a:solidFill>
+                        <a:schemeClr val="tx1"/>
+                      </a:solidFill>
+                      <a:prstDash val="solid"/>
+                      <a:round/>
+                      <a:headEnd type="none" w="med" len="med"/>
+                      <a:tailEnd type="none" w="med" len="med"/>
+                    </a:lnT>
+                    <a:lnB w="12700" cap="flat" cmpd="sng" algn="ctr">
+                      <a:solidFill>
+                        <a:schemeClr val="tx1"/>
+                      </a:solidFill>
+                      <a:prstDash val="solid"/>
+                      <a:round/>
+                      <a:headEnd type="none" w="med" len="med"/>
+                      <a:tailEnd type="none" w="med" len="med"/>
+                    </a:lnB>
+                    <a:lnTlToBr w="12700" cmpd="sng">
+                      <a:noFill/>
+                      <a:prstDash val="solid"/>
+                    </a:lnTlToBr>
+                    <a:lnBlToTr w="12700" cmpd="sng">
+                      <a:noFill/>
+                      <a:prstDash val="solid"/>
+                    </a:lnBlToTr>
+                  </a:tcPr>
+                </a:tc>
+                <a:tc hMerge="1">
+                  <a:txBody>
+                    <a:bodyPr/>
+                    <a:lstStyle/>
+                    <a:p>
+                      <a:pPr algn="l" fontAlgn="b"/>
+                      <a:endParaRPr lang="ja-JP" altLang="en-US" sz="1100" b="0" i="0" u="none" strike="noStrike" dirty="0">
+                        <a:solidFill>
+                          <a:srgbClr val="000000"/>
+                        </a:solidFill>
+                        <a:effectLst/>
+                        <a:latin typeface="ＭＳ Ｐゴシック" panose="020B0600070205080204" pitchFamily="50" charset="-128"/>
+                        <a:ea typeface="ＭＳ Ｐゴシック" panose="020B0600070205080204" pitchFamily="50" charset="-128"/>
+                      </a:endParaRPr>
+                    </a:p>
+                  </a:txBody>
+                  <a:tcPr marL="9525" marR="9525" marT="9525" marB="0" anchor="b">
+                    <a:lnL w="12700" cap="flat" cmpd="sng" algn="ctr">
+                      <a:noFill/>
+                      <a:prstDash val="solid"/>
+                      <a:round/>
+                      <a:headEnd type="none" w="med" len="med"/>
+                      <a:tailEnd type="none" w="med" len="med"/>
+                    </a:lnL>
+                    <a:lnR w="12700" cap="flat" cmpd="sng" algn="ctr">
+                      <a:noFill/>
+                      <a:prstDash val="solid"/>
+                      <a:round/>
+                      <a:headEnd type="none" w="med" len="med"/>
+                      <a:tailEnd type="none" w="med" len="med"/>
+                    </a:lnR>
+                    <a:lnT w="12700" cap="flat" cmpd="sng" algn="ctr">
+                      <a:solidFill>
+                        <a:schemeClr val="tx1"/>
+                      </a:solidFill>
+                      <a:prstDash val="solid"/>
+                      <a:round/>
+                      <a:headEnd type="none" w="med" len="med"/>
+                      <a:tailEnd type="none" w="med" len="med"/>
+                    </a:lnT>
+                    <a:lnB w="12700" cap="flat" cmpd="sng" algn="ctr">
+                      <a:solidFill>
+                        <a:schemeClr val="tx1"/>
+                      </a:solidFill>
+                      <a:prstDash val="solid"/>
+                      <a:round/>
+                      <a:headEnd type="none" w="med" len="med"/>
+                      <a:tailEnd type="none" w="med" len="med"/>
+                    </a:lnB>
+                    <a:lnTlToBr w="12700" cmpd="sng">
+                      <a:noFill/>
+                      <a:prstDash val="solid"/>
+                    </a:lnTlToBr>
+                    <a:lnBlToTr w="12700" cmpd="sng">
+                      <a:noFill/>
+                      <a:prstDash val="solid"/>
+                    </a:lnBlToTr>
+                  </a:tcPr>
+                </a:tc>
+                <a:extLst>
+                  <a:ext uri="{0D108BD9-81ED-4DB2-BD59-A6C34878D82A}">
+                    <a16:rowId xmlns:a16="http://schemas.microsoft.com/office/drawing/2014/main" val="1699435723"/>
+                  </a:ext>
+                </a:extLst>
+              </a:tr>
+              <a:tr h="171450">
+                <a:tc>
+                  <a:txBody>
+                    <a:bodyPr/>
+                    <a:lstStyle/>
+                    <a:p>
+                      <a:pPr algn="l" fontAlgn="b"/>
+                      <a:r>
+                        <a:rPr lang="ja-JP" altLang="en-US" sz="1100" b="0" i="0" u="none" strike="noStrike" dirty="0">
+                          <a:solidFill>
+                            <a:srgbClr val="000000"/>
+                          </a:solidFill>
+                          <a:effectLst/>
+                          <a:latin typeface="ＭＳ Ｐゴシック" panose="020B0600070205080204" pitchFamily="50" charset="-128"/>
+                          <a:ea typeface="ＭＳ Ｐゴシック" panose="020B0600070205080204" pitchFamily="50" charset="-128"/>
+                        </a:rPr>
+                        <a:t>３年</a:t>
+                      </a:r>
+                    </a:p>
+                  </a:txBody>
+                  <a:tcPr marL="9525" marR="9525" marT="9525" marB="0" anchor="b">
+                    <a:lnL w="12700" cap="flat" cmpd="sng" algn="ctr">
+                      <a:solidFill>
+                        <a:schemeClr val="tx1"/>
+                      </a:solidFill>
+                      <a:prstDash val="solid"/>
+                      <a:round/>
+                      <a:headEnd type="none" w="med" len="med"/>
+                      <a:tailEnd type="none" w="med" len="med"/>
+                    </a:lnL>
+                    <a:lnR w="12700" cap="flat" cmpd="sng" algn="ctr">
+                      <a:solidFill>
+                        <a:schemeClr val="tx1"/>
+                      </a:solidFill>
+                      <a:prstDash val="solid"/>
+                      <a:round/>
+                      <a:headEnd type="none" w="med" len="med"/>
+                      <a:tailEnd type="none" w="med" len="med"/>
+                    </a:lnR>
+                    <a:lnT w="12700" cap="flat" cmpd="sng" algn="ctr">
+                      <a:solidFill>
+                        <a:schemeClr val="tx1"/>
+                      </a:solidFill>
+                      <a:prstDash val="solid"/>
+                      <a:round/>
+                      <a:headEnd type="none" w="med" len="med"/>
+                      <a:tailEnd type="none" w="med" len="med"/>
+                    </a:lnT>
+                    <a:lnB w="12700" cap="flat" cmpd="sng" algn="ctr">
+                      <a:solidFill>
+                        <a:schemeClr val="tx1"/>
+                      </a:solidFill>
+                      <a:prstDash val="solid"/>
+                      <a:round/>
+                      <a:headEnd type="none" w="med" len="med"/>
+                      <a:tailEnd type="none" w="med" len="med"/>
+                    </a:lnB>
+                    <a:lnTlToBr w="12700" cmpd="sng">
+                      <a:noFill/>
+                      <a:prstDash val="solid"/>
+                    </a:lnTlToBr>
+                    <a:lnBlToTr w="12700" cmpd="sng">
+                      <a:noFill/>
+                      <a:prstDash val="solid"/>
+                    </a:lnBlToTr>
+                  </a:tcPr>
+                </a:tc>
+                <a:tc>
+                  <a:txBody>
+                    <a:bodyPr/>
+                    <a:lstStyle/>
+                    <a:p>
+                      <a:pPr algn="l" fontAlgn="b"/>
+                      <a:r>
+                        <a:rPr lang="ja-JP" altLang="en-US" sz="1100" b="0" i="0" u="none" strike="noStrike" dirty="0">
+                          <a:solidFill>
+                            <a:srgbClr val="000000"/>
+                          </a:solidFill>
+                          <a:effectLst/>
+                          <a:latin typeface="ＭＳ Ｐゴシック" panose="020B0600070205080204" pitchFamily="50" charset="-128"/>
+                          <a:ea typeface="ＭＳ Ｐゴシック" panose="020B0600070205080204" pitchFamily="50" charset="-128"/>
+                        </a:rPr>
+                        <a:t>文化部</a:t>
+                      </a:r>
+                    </a:p>
+                  </a:txBody>
+                  <a:tcPr marL="9525" marR="9525" marT="9525" marB="0" anchor="b">
+                    <a:lnL w="12700" cap="flat" cmpd="sng" algn="ctr">
+                      <a:solidFill>
+                        <a:schemeClr val="tx1"/>
+                      </a:solidFill>
+                      <a:prstDash val="solid"/>
+                      <a:round/>
+                      <a:headEnd type="none" w="med" len="med"/>
+                      <a:tailEnd type="none" w="med" len="med"/>
+                    </a:lnL>
+                    <a:lnR w="12700" cap="flat" cmpd="sng" algn="ctr">
+                      <a:solidFill>
+                        <a:schemeClr val="tx1"/>
+                      </a:solidFill>
+                      <a:prstDash val="solid"/>
+                      <a:round/>
+                      <a:headEnd type="none" w="med" len="med"/>
+                      <a:tailEnd type="none" w="med" len="med"/>
+                    </a:lnR>
+                    <a:lnT w="12700" cap="flat" cmpd="sng" algn="ctr">
+                      <a:solidFill>
+                        <a:schemeClr val="tx1"/>
+                      </a:solidFill>
+                      <a:prstDash val="solid"/>
+                      <a:round/>
+                      <a:headEnd type="none" w="med" len="med"/>
+                      <a:tailEnd type="none" w="med" len="med"/>
+                    </a:lnT>
+                    <a:lnB w="12700" cap="flat" cmpd="sng" algn="ctr">
+                      <a:solidFill>
+                        <a:schemeClr val="tx1"/>
+                      </a:solidFill>
+                      <a:prstDash val="solid"/>
+                      <a:round/>
+                      <a:headEnd type="none" w="med" len="med"/>
+                      <a:tailEnd type="none" w="med" len="med"/>
+                    </a:lnB>
+                    <a:lnTlToBr w="12700" cmpd="sng">
+                      <a:noFill/>
+                      <a:prstDash val="solid"/>
+                    </a:lnTlToBr>
+                    <a:lnBlToTr w="12700" cmpd="sng">
+                      <a:noFill/>
+                      <a:prstDash val="solid"/>
+                    </a:lnBlToTr>
+                  </a:tcPr>
+                </a:tc>
+                <a:tc>
+                  <a:txBody>
+                    <a:bodyPr/>
+                    <a:lstStyle/>
+                    <a:p>
+                      <a:pPr algn="l" fontAlgn="b"/>
+                      <a:r>
+                        <a:rPr lang="ja-JP" altLang="en-US" sz="1100" b="0" i="0" u="none" strike="noStrike" dirty="0">
+                          <a:solidFill>
+                            <a:srgbClr val="000000"/>
+                          </a:solidFill>
+                          <a:effectLst/>
+                          <a:latin typeface="ＭＳ Ｐゴシック" panose="020B0600070205080204" pitchFamily="50" charset="-128"/>
+                          <a:ea typeface="ＭＳ Ｐゴシック" panose="020B0600070205080204" pitchFamily="50" charset="-128"/>
+                        </a:rPr>
+                        <a:t>私の目標は部活動での成果を出す、そのために自分自身を常に挑戦</a:t>
+                      </a:r>
+                      <a:r>
+                        <a:rPr lang="ja-JP" altLang="en-US" sz="1100" b="0" i="0" u="none" strike="noStrike" dirty="0" err="1">
+                          <a:solidFill>
+                            <a:srgbClr val="000000"/>
+                          </a:solidFill>
+                          <a:effectLst/>
+                          <a:latin typeface="ＭＳ Ｐゴシック" panose="020B0600070205080204" pitchFamily="50" charset="-128"/>
+                          <a:ea typeface="ＭＳ Ｐゴシック" panose="020B0600070205080204" pitchFamily="50" charset="-128"/>
+                        </a:rPr>
+                        <a:t>しします</a:t>
+                      </a:r>
+                      <a:r>
+                        <a:rPr lang="ja-JP" altLang="en-US" sz="1100" b="0" i="0" u="none" strike="noStrike" dirty="0">
+                          <a:solidFill>
+                            <a:srgbClr val="000000"/>
+                          </a:solidFill>
+                          <a:effectLst/>
+                          <a:latin typeface="ＭＳ Ｐゴシック" panose="020B0600070205080204" pitchFamily="50" charset="-128"/>
+                          <a:ea typeface="ＭＳ Ｐゴシック" panose="020B0600070205080204" pitchFamily="50" charset="-128"/>
+                        </a:rPr>
+                        <a:t>。</a:t>
+                      </a:r>
+                    </a:p>
+                  </a:txBody>
+                  <a:tcPr marL="9525" marR="9525" marT="9525" marB="0" anchor="b">
+                    <a:lnL w="12700" cap="flat" cmpd="sng" algn="ctr">
+                      <a:solidFill>
+                        <a:schemeClr val="tx1"/>
+                      </a:solidFill>
+                      <a:prstDash val="solid"/>
+                      <a:round/>
+                      <a:headEnd type="none" w="med" len="med"/>
+                      <a:tailEnd type="none" w="med" len="med"/>
+                    </a:lnL>
+                    <a:lnR w="12700" cap="flat" cmpd="sng" algn="ctr">
+                      <a:solidFill>
+                        <a:schemeClr val="tx1"/>
+                      </a:solidFill>
+                      <a:prstDash val="solid"/>
+                      <a:round/>
+                      <a:headEnd type="none" w="med" len="med"/>
+                      <a:tailEnd type="none" w="med" len="med"/>
+                    </a:lnR>
+                    <a:lnT w="12700" cap="flat" cmpd="sng" algn="ctr">
+                      <a:solidFill>
+                        <a:schemeClr val="tx1"/>
+                      </a:solidFill>
+                      <a:prstDash val="solid"/>
+                      <a:round/>
+                      <a:headEnd type="none" w="med" len="med"/>
+                      <a:tailEnd type="none" w="med" len="med"/>
+                    </a:lnT>
+                    <a:lnB w="12700" cap="flat" cmpd="sng" algn="ctr">
+                      <a:solidFill>
+                        <a:schemeClr val="tx1"/>
+                      </a:solidFill>
+                      <a:prstDash val="solid"/>
+                      <a:round/>
+                      <a:headEnd type="none" w="med" len="med"/>
+                      <a:tailEnd type="none" w="med" len="med"/>
+                    </a:lnB>
+                    <a:lnTlToBr w="12700" cmpd="sng">
+                      <a:noFill/>
+                      <a:prstDash val="solid"/>
+                    </a:lnTlToBr>
+                    <a:lnBlToTr w="12700" cmpd="sng">
+                      <a:noFill/>
+                      <a:prstDash val="solid"/>
+                    </a:lnBlToTr>
+                  </a:tcPr>
+                </a:tc>
+                <a:extLst>
+                  <a:ext uri="{0D108BD9-81ED-4DB2-BD59-A6C34878D82A}">
+                    <a16:rowId xmlns:a16="http://schemas.microsoft.com/office/drawing/2014/main" val="3445746231"/>
+                  </a:ext>
+                </a:extLst>
+              </a:tr>
+              <a:tr h="171450">
+                <a:tc>
+                  <a:txBody>
+                    <a:bodyPr/>
+                    <a:lstStyle/>
+                    <a:p>
+                      <a:pPr algn="l" fontAlgn="b"/>
+                      <a:r>
+                        <a:rPr lang="ja-JP" altLang="en-US" sz="1100" b="0" i="0" u="none" strike="noStrike">
+                          <a:solidFill>
+                            <a:srgbClr val="000000"/>
+                          </a:solidFill>
+                          <a:effectLst/>
+                          <a:latin typeface="ＭＳ Ｐゴシック" panose="020B0600070205080204" pitchFamily="50" charset="-128"/>
+                          <a:ea typeface="ＭＳ Ｐゴシック" panose="020B0600070205080204" pitchFamily="50" charset="-128"/>
+                        </a:rPr>
+                        <a:t>２年</a:t>
+                      </a:r>
+                    </a:p>
+                  </a:txBody>
+                  <a:tcPr marL="9525" marR="9525" marT="9525" marB="0" anchor="b">
+                    <a:lnL w="12700" cap="flat" cmpd="sng" algn="ctr">
+                      <a:solidFill>
+                        <a:schemeClr val="tx1"/>
+                      </a:solidFill>
+                      <a:prstDash val="solid"/>
+                      <a:round/>
+                      <a:headEnd type="none" w="med" len="med"/>
+                      <a:tailEnd type="none" w="med" len="med"/>
+                    </a:lnL>
+                    <a:lnR w="12700" cap="flat" cmpd="sng" algn="ctr">
+                      <a:solidFill>
+                        <a:schemeClr val="tx1"/>
+                      </a:solidFill>
+                      <a:prstDash val="solid"/>
+                      <a:round/>
+                      <a:headEnd type="none" w="med" len="med"/>
+                      <a:tailEnd type="none" w="med" len="med"/>
+                    </a:lnR>
+                    <a:lnT w="12700" cap="flat" cmpd="sng" algn="ctr">
+                      <a:solidFill>
+                        <a:schemeClr val="tx1"/>
+                      </a:solidFill>
+                      <a:prstDash val="solid"/>
+                      <a:round/>
+                      <a:headEnd type="none" w="med" len="med"/>
+                      <a:tailEnd type="none" w="med" len="med"/>
+                    </a:lnT>
+                    <a:lnB w="12700" cap="flat" cmpd="sng" algn="ctr">
+                      <a:solidFill>
+                        <a:schemeClr val="tx1"/>
+                      </a:solidFill>
+                      <a:prstDash val="solid"/>
+                      <a:round/>
+                      <a:headEnd type="none" w="med" len="med"/>
+                      <a:tailEnd type="none" w="med" len="med"/>
+                    </a:lnB>
+                    <a:lnTlToBr w="12700" cmpd="sng">
+                      <a:noFill/>
+                      <a:prstDash val="solid"/>
+                    </a:lnTlToBr>
+                    <a:lnBlToTr w="12700" cmpd="sng">
+                      <a:noFill/>
+                      <a:prstDash val="solid"/>
+                    </a:lnBlToTr>
+                  </a:tcPr>
+                </a:tc>
+                <a:tc>
+                  <a:txBody>
+                    <a:bodyPr/>
+                    <a:lstStyle/>
+                    <a:p>
+                      <a:pPr algn="l" fontAlgn="b"/>
+                      <a:r>
+                        <a:rPr lang="ja-JP" altLang="en-US" sz="1100" b="0" i="0" u="none" strike="noStrike">
+                          <a:solidFill>
+                            <a:srgbClr val="000000"/>
+                          </a:solidFill>
+                          <a:effectLst/>
+                          <a:latin typeface="ＭＳ Ｐゴシック" panose="020B0600070205080204" pitchFamily="50" charset="-128"/>
+                          <a:ea typeface="ＭＳ Ｐゴシック" panose="020B0600070205080204" pitchFamily="50" charset="-128"/>
+                        </a:rPr>
+                        <a:t>所属無し</a:t>
+                      </a:r>
+                    </a:p>
+                  </a:txBody>
+                  <a:tcPr marL="9525" marR="9525" marT="9525" marB="0" anchor="b">
+                    <a:lnL w="12700" cap="flat" cmpd="sng" algn="ctr">
+                      <a:solidFill>
+                        <a:schemeClr val="tx1"/>
+                      </a:solidFill>
+                      <a:prstDash val="solid"/>
+                      <a:round/>
+                      <a:headEnd type="none" w="med" len="med"/>
+                      <a:tailEnd type="none" w="med" len="med"/>
+                    </a:lnL>
+                    <a:lnR w="12700" cap="flat" cmpd="sng" algn="ctr">
+                      <a:solidFill>
+                        <a:schemeClr val="tx1"/>
+                      </a:solidFill>
+                      <a:prstDash val="solid"/>
+                      <a:round/>
+                      <a:headEnd type="none" w="med" len="med"/>
+                      <a:tailEnd type="none" w="med" len="med"/>
+                    </a:lnR>
+                    <a:lnT w="12700" cap="flat" cmpd="sng" algn="ctr">
+                      <a:solidFill>
+                        <a:schemeClr val="tx1"/>
+                      </a:solidFill>
+                      <a:prstDash val="solid"/>
+                      <a:round/>
+                      <a:headEnd type="none" w="med" len="med"/>
+                      <a:tailEnd type="none" w="med" len="med"/>
+                    </a:lnT>
+                    <a:lnB w="12700" cap="flat" cmpd="sng" algn="ctr">
+                      <a:solidFill>
+                        <a:schemeClr val="tx1"/>
+                      </a:solidFill>
+                      <a:prstDash val="solid"/>
+                      <a:round/>
+                      <a:headEnd type="none" w="med" len="med"/>
+                      <a:tailEnd type="none" w="med" len="med"/>
+                    </a:lnB>
+                    <a:lnTlToBr w="12700" cmpd="sng">
+                      <a:noFill/>
+                      <a:prstDash val="solid"/>
+                    </a:lnTlToBr>
+                    <a:lnBlToTr w="12700" cmpd="sng">
+                      <a:noFill/>
+                      <a:prstDash val="solid"/>
+                    </a:lnBlToTr>
+                  </a:tcPr>
+                </a:tc>
+                <a:tc>
+                  <a:txBody>
+                    <a:bodyPr/>
+                    <a:lstStyle/>
+                    <a:p>
+                      <a:pPr algn="l" fontAlgn="b"/>
+                      <a:r>
+                        <a:rPr lang="ja-JP" altLang="en-US" sz="1100" b="0" i="0" u="none" strike="noStrike" dirty="0">
+                          <a:solidFill>
+                            <a:srgbClr val="000000"/>
+                          </a:solidFill>
+                          <a:effectLst/>
+                          <a:latin typeface="ＭＳ Ｐゴシック" panose="020B0600070205080204" pitchFamily="50" charset="-128"/>
+                          <a:ea typeface="ＭＳ Ｐゴシック" panose="020B0600070205080204" pitchFamily="50" charset="-128"/>
+                        </a:rPr>
+                        <a:t>私の目標は読書の習慣をつける、そのために専門の本を読みながらします。</a:t>
+                      </a:r>
+                    </a:p>
+                  </a:txBody>
+                  <a:tcPr marL="9525" marR="9525" marT="9525" marB="0" anchor="b">
+                    <a:lnL w="12700" cap="flat" cmpd="sng" algn="ctr">
+                      <a:solidFill>
+                        <a:schemeClr val="tx1"/>
+                      </a:solidFill>
+                      <a:prstDash val="solid"/>
+                      <a:round/>
+                      <a:headEnd type="none" w="med" len="med"/>
+                      <a:tailEnd type="none" w="med" len="med"/>
+                    </a:lnL>
+                    <a:lnR w="12700" cap="flat" cmpd="sng" algn="ctr">
+                      <a:solidFill>
+                        <a:schemeClr val="tx1"/>
+                      </a:solidFill>
+                      <a:prstDash val="solid"/>
+                      <a:round/>
+                      <a:headEnd type="none" w="med" len="med"/>
+                      <a:tailEnd type="none" w="med" len="med"/>
+                    </a:lnR>
+                    <a:lnT w="12700" cap="flat" cmpd="sng" algn="ctr">
+                      <a:solidFill>
+                        <a:schemeClr val="tx1"/>
+                      </a:solidFill>
+                      <a:prstDash val="solid"/>
+                      <a:round/>
+                      <a:headEnd type="none" w="med" len="med"/>
+                      <a:tailEnd type="none" w="med" len="med"/>
+                    </a:lnT>
+                    <a:lnB w="12700" cap="flat" cmpd="sng" algn="ctr">
+                      <a:solidFill>
+                        <a:schemeClr val="tx1"/>
+                      </a:solidFill>
+                      <a:prstDash val="solid"/>
+                      <a:round/>
+                      <a:headEnd type="none" w="med" len="med"/>
+                      <a:tailEnd type="none" w="med" len="med"/>
+                    </a:lnB>
+                    <a:lnTlToBr w="12700" cmpd="sng">
+                      <a:noFill/>
+                      <a:prstDash val="solid"/>
+                    </a:lnTlToBr>
+                    <a:lnBlToTr w="12700" cmpd="sng">
+                      <a:noFill/>
+                      <a:prstDash val="solid"/>
+                    </a:lnBlToTr>
+                  </a:tcPr>
+                </a:tc>
+                <a:extLst>
+                  <a:ext uri="{0D108BD9-81ED-4DB2-BD59-A6C34878D82A}">
+                    <a16:rowId xmlns:a16="http://schemas.microsoft.com/office/drawing/2014/main" val="3319489456"/>
+                  </a:ext>
+                </a:extLst>
+              </a:tr>
+              <a:tr h="299327">
+                <a:tc>
+                  <a:txBody>
+                    <a:bodyPr/>
+                    <a:lstStyle/>
+                    <a:p>
+                      <a:pPr algn="l" fontAlgn="b"/>
+                      <a:r>
+                        <a:rPr lang="ja-JP" altLang="en-US" sz="1100" b="0" i="0" u="none" strike="noStrike">
+                          <a:solidFill>
+                            <a:srgbClr val="000000"/>
+                          </a:solidFill>
+                          <a:effectLst/>
+                          <a:latin typeface="ＭＳ Ｐゴシック" panose="020B0600070205080204" pitchFamily="50" charset="-128"/>
+                          <a:ea typeface="ＭＳ Ｐゴシック" panose="020B0600070205080204" pitchFamily="50" charset="-128"/>
+                        </a:rPr>
+                        <a:t>１年</a:t>
+                      </a:r>
+                    </a:p>
+                  </a:txBody>
+                  <a:tcPr marL="9525" marR="9525" marT="9525" marB="0" anchor="b">
+                    <a:lnL w="12700" cap="flat" cmpd="sng" algn="ctr">
+                      <a:solidFill>
+                        <a:schemeClr val="tx1"/>
+                      </a:solidFill>
+                      <a:prstDash val="solid"/>
+                      <a:round/>
+                      <a:headEnd type="none" w="med" len="med"/>
+                      <a:tailEnd type="none" w="med" len="med"/>
+                    </a:lnL>
+                    <a:lnR w="12700" cap="flat" cmpd="sng" algn="ctr">
+                      <a:solidFill>
+                        <a:schemeClr val="tx1"/>
+                      </a:solidFill>
+                      <a:prstDash val="solid"/>
+                      <a:round/>
+                      <a:headEnd type="none" w="med" len="med"/>
+                      <a:tailEnd type="none" w="med" len="med"/>
+                    </a:lnR>
+                    <a:lnT w="12700" cap="flat" cmpd="sng" algn="ctr">
+                      <a:solidFill>
+                        <a:schemeClr val="tx1"/>
+                      </a:solidFill>
+                      <a:prstDash val="solid"/>
+                      <a:round/>
+                      <a:headEnd type="none" w="med" len="med"/>
+                      <a:tailEnd type="none" w="med" len="med"/>
+                    </a:lnT>
+                    <a:lnB w="12700" cap="flat" cmpd="sng" algn="ctr">
+                      <a:solidFill>
+                        <a:schemeClr val="tx1"/>
+                      </a:solidFill>
+                      <a:prstDash val="solid"/>
+                      <a:round/>
+                      <a:headEnd type="none" w="med" len="med"/>
+                      <a:tailEnd type="none" w="med" len="med"/>
+                    </a:lnB>
+                    <a:lnTlToBr w="12700" cmpd="sng">
+                      <a:noFill/>
+                      <a:prstDash val="solid"/>
+                    </a:lnTlToBr>
+                    <a:lnBlToTr w="12700" cmpd="sng">
+                      <a:noFill/>
+                      <a:prstDash val="solid"/>
+                    </a:lnBlToTr>
+                  </a:tcPr>
+                </a:tc>
+                <a:tc>
+                  <a:txBody>
+                    <a:bodyPr/>
+                    <a:lstStyle/>
+                    <a:p>
+                      <a:pPr algn="l" fontAlgn="b"/>
+                      <a:r>
+                        <a:rPr lang="ja-JP" altLang="en-US" sz="1100" b="0" i="0" u="none" strike="noStrike">
+                          <a:solidFill>
+                            <a:srgbClr val="000000"/>
+                          </a:solidFill>
+                          <a:effectLst/>
+                          <a:latin typeface="ＭＳ Ｐゴシック" panose="020B0600070205080204" pitchFamily="50" charset="-128"/>
+                          <a:ea typeface="ＭＳ Ｐゴシック" panose="020B0600070205080204" pitchFamily="50" charset="-128"/>
+                        </a:rPr>
+                        <a:t>文化部</a:t>
+                      </a:r>
+                    </a:p>
+                  </a:txBody>
+                  <a:tcPr marL="9525" marR="9525" marT="9525" marB="0" anchor="b">
+                    <a:lnL w="12700" cap="flat" cmpd="sng" algn="ctr">
+                      <a:solidFill>
+                        <a:schemeClr val="tx1"/>
+                      </a:solidFill>
+                      <a:prstDash val="solid"/>
+                      <a:round/>
+                      <a:headEnd type="none" w="med" len="med"/>
+                      <a:tailEnd type="none" w="med" len="med"/>
+                    </a:lnL>
+                    <a:lnR w="12700" cap="flat" cmpd="sng" algn="ctr">
+                      <a:solidFill>
+                        <a:schemeClr val="tx1"/>
+                      </a:solidFill>
+                      <a:prstDash val="solid"/>
+                      <a:round/>
+                      <a:headEnd type="none" w="med" len="med"/>
+                      <a:tailEnd type="none" w="med" len="med"/>
+                    </a:lnR>
+                    <a:lnT w="12700" cap="flat" cmpd="sng" algn="ctr">
+                      <a:solidFill>
+                        <a:schemeClr val="tx1"/>
+                      </a:solidFill>
+                      <a:prstDash val="solid"/>
+                      <a:round/>
+                      <a:headEnd type="none" w="med" len="med"/>
+                      <a:tailEnd type="none" w="med" len="med"/>
+                    </a:lnT>
+                    <a:lnB w="12700" cap="flat" cmpd="sng" algn="ctr">
+                      <a:solidFill>
+                        <a:schemeClr val="tx1"/>
+                      </a:solidFill>
+                      <a:prstDash val="solid"/>
+                      <a:round/>
+                      <a:headEnd type="none" w="med" len="med"/>
+                      <a:tailEnd type="none" w="med" len="med"/>
+                    </a:lnB>
+                    <a:lnTlToBr w="12700" cmpd="sng">
+                      <a:noFill/>
+                      <a:prstDash val="solid"/>
+                    </a:lnTlToBr>
+                    <a:lnBlToTr w="12700" cmpd="sng">
+                      <a:noFill/>
+                      <a:prstDash val="solid"/>
+                    </a:lnBlToTr>
+                  </a:tcPr>
+                </a:tc>
+                <a:tc>
+                  <a:txBody>
+                    <a:bodyPr/>
+                    <a:lstStyle/>
+                    <a:p>
+                      <a:pPr algn="l" fontAlgn="b"/>
+                      <a:r>
+                        <a:rPr lang="ja-JP" altLang="en-US" sz="1100" b="0" i="0" u="none" strike="noStrike" dirty="0">
+                          <a:solidFill>
+                            <a:srgbClr val="000000"/>
+                          </a:solidFill>
+                          <a:effectLst/>
+                          <a:latin typeface="ＭＳ Ｐゴシック" panose="020B0600070205080204" pitchFamily="50" charset="-128"/>
+                          <a:ea typeface="ＭＳ Ｐゴシック" panose="020B0600070205080204" pitchFamily="50" charset="-128"/>
+                        </a:rPr>
+                        <a:t>今年は部活動での成果を出す、仲間と協力しつもりです。</a:t>
+                      </a:r>
+                    </a:p>
+                  </a:txBody>
+                  <a:tcPr marL="9525" marR="9525" marT="9525" marB="0" anchor="b">
+                    <a:lnL w="12700" cap="flat" cmpd="sng" algn="ctr">
+                      <a:solidFill>
+                        <a:schemeClr val="tx1"/>
+                      </a:solidFill>
+                      <a:prstDash val="solid"/>
+                      <a:round/>
+                      <a:headEnd type="none" w="med" len="med"/>
+                      <a:tailEnd type="none" w="med" len="med"/>
+                    </a:lnL>
+                    <a:lnR w="12700" cap="flat" cmpd="sng" algn="ctr">
+                      <a:solidFill>
+                        <a:schemeClr val="tx1"/>
+                      </a:solidFill>
+                      <a:prstDash val="solid"/>
+                      <a:round/>
+                      <a:headEnd type="none" w="med" len="med"/>
+                      <a:tailEnd type="none" w="med" len="med"/>
+                    </a:lnR>
+                    <a:lnT w="12700" cap="flat" cmpd="sng" algn="ctr">
+                      <a:solidFill>
+                        <a:schemeClr val="tx1"/>
+                      </a:solidFill>
+                      <a:prstDash val="solid"/>
+                      <a:round/>
+                      <a:headEnd type="none" w="med" len="med"/>
+                      <a:tailEnd type="none" w="med" len="med"/>
+                    </a:lnT>
+                    <a:lnB w="12700" cap="flat" cmpd="sng" algn="ctr">
+                      <a:solidFill>
+                        <a:schemeClr val="tx1"/>
+                      </a:solidFill>
+                      <a:prstDash val="solid"/>
+                      <a:round/>
+                      <a:headEnd type="none" w="med" len="med"/>
+                      <a:tailEnd type="none" w="med" len="med"/>
+                    </a:lnB>
+                    <a:lnTlToBr w="12700" cmpd="sng">
+                      <a:noFill/>
+                      <a:prstDash val="solid"/>
+                    </a:lnTlToBr>
+                    <a:lnBlToTr w="12700" cmpd="sng">
+                      <a:noFill/>
+                      <a:prstDash val="solid"/>
+                    </a:lnBlToTr>
+                  </a:tcPr>
+                </a:tc>
+                <a:extLst>
+                  <a:ext uri="{0D108BD9-81ED-4DB2-BD59-A6C34878D82A}">
+                    <a16:rowId xmlns:a16="http://schemas.microsoft.com/office/drawing/2014/main" val="2207319942"/>
+                  </a:ext>
+                </a:extLst>
+              </a:tr>
+              <a:tr h="171450">
+                <a:tc>
+                  <a:txBody>
+                    <a:bodyPr/>
+                    <a:lstStyle/>
+                    <a:p>
+                      <a:pPr algn="l" fontAlgn="b"/>
+                      <a:r>
+                        <a:rPr lang="ja-JP" altLang="en-US" sz="1100" b="0" i="0" u="none" strike="noStrike">
+                          <a:solidFill>
+                            <a:srgbClr val="000000"/>
+                          </a:solidFill>
+                          <a:effectLst/>
+                          <a:latin typeface="ＭＳ Ｐゴシック" panose="020B0600070205080204" pitchFamily="50" charset="-128"/>
+                          <a:ea typeface="ＭＳ Ｐゴシック" panose="020B0600070205080204" pitchFamily="50" charset="-128"/>
+                        </a:rPr>
+                        <a:t>３年</a:t>
+                      </a:r>
+                    </a:p>
+                  </a:txBody>
+                  <a:tcPr marL="9525" marR="9525" marT="9525" marB="0" anchor="b">
+                    <a:lnL w="12700" cap="flat" cmpd="sng" algn="ctr">
+                      <a:solidFill>
+                        <a:schemeClr val="tx1"/>
+                      </a:solidFill>
+                      <a:prstDash val="solid"/>
+                      <a:round/>
+                      <a:headEnd type="none" w="med" len="med"/>
+                      <a:tailEnd type="none" w="med" len="med"/>
+                    </a:lnL>
+                    <a:lnR w="12700" cap="flat" cmpd="sng" algn="ctr">
+                      <a:solidFill>
+                        <a:schemeClr val="tx1"/>
+                      </a:solidFill>
+                      <a:prstDash val="solid"/>
+                      <a:round/>
+                      <a:headEnd type="none" w="med" len="med"/>
+                      <a:tailEnd type="none" w="med" len="med"/>
+                    </a:lnR>
+                    <a:lnT w="12700" cap="flat" cmpd="sng" algn="ctr">
+                      <a:solidFill>
+                        <a:schemeClr val="tx1"/>
+                      </a:solidFill>
+                      <a:prstDash val="solid"/>
+                      <a:round/>
+                      <a:headEnd type="none" w="med" len="med"/>
+                      <a:tailEnd type="none" w="med" len="med"/>
+                    </a:lnT>
+                    <a:lnB w="12700" cap="flat" cmpd="sng" algn="ctr">
+                      <a:solidFill>
+                        <a:schemeClr val="tx1"/>
+                      </a:solidFill>
+                      <a:prstDash val="solid"/>
+                      <a:round/>
+                      <a:headEnd type="none" w="med" len="med"/>
+                      <a:tailEnd type="none" w="med" len="med"/>
+                    </a:lnB>
+                    <a:lnTlToBr w="12700" cmpd="sng">
+                      <a:noFill/>
+                      <a:prstDash val="solid"/>
+                    </a:lnTlToBr>
+                    <a:lnBlToTr w="12700" cmpd="sng">
+                      <a:noFill/>
+                      <a:prstDash val="solid"/>
+                    </a:lnBlToTr>
+                  </a:tcPr>
+                </a:tc>
+                <a:tc>
+                  <a:txBody>
+                    <a:bodyPr/>
+                    <a:lstStyle/>
+                    <a:p>
+                      <a:pPr algn="l" fontAlgn="b"/>
+                      <a:r>
+                        <a:rPr lang="ja-JP" altLang="en-US" sz="1100" b="0" i="0" u="none" strike="noStrike">
+                          <a:solidFill>
+                            <a:srgbClr val="000000"/>
+                          </a:solidFill>
+                          <a:effectLst/>
+                          <a:latin typeface="ＭＳ Ｐゴシック" panose="020B0600070205080204" pitchFamily="50" charset="-128"/>
+                          <a:ea typeface="ＭＳ Ｐゴシック" panose="020B0600070205080204" pitchFamily="50" charset="-128"/>
+                        </a:rPr>
+                        <a:t>文化部</a:t>
+                      </a:r>
+                    </a:p>
+                  </a:txBody>
+                  <a:tcPr marL="9525" marR="9525" marT="9525" marB="0" anchor="b">
+                    <a:lnL w="12700" cap="flat" cmpd="sng" algn="ctr">
+                      <a:solidFill>
+                        <a:schemeClr val="tx1"/>
+                      </a:solidFill>
+                      <a:prstDash val="solid"/>
+                      <a:round/>
+                      <a:headEnd type="none" w="med" len="med"/>
+                      <a:tailEnd type="none" w="med" len="med"/>
+                    </a:lnL>
+                    <a:lnR w="12700" cap="flat" cmpd="sng" algn="ctr">
+                      <a:solidFill>
+                        <a:schemeClr val="tx1"/>
+                      </a:solidFill>
+                      <a:prstDash val="solid"/>
+                      <a:round/>
+                      <a:headEnd type="none" w="med" len="med"/>
+                      <a:tailEnd type="none" w="med" len="med"/>
+                    </a:lnR>
+                    <a:lnT w="12700" cap="flat" cmpd="sng" algn="ctr">
+                      <a:solidFill>
+                        <a:schemeClr val="tx1"/>
+                      </a:solidFill>
+                      <a:prstDash val="solid"/>
+                      <a:round/>
+                      <a:headEnd type="none" w="med" len="med"/>
+                      <a:tailEnd type="none" w="med" len="med"/>
+                    </a:lnT>
+                    <a:lnB w="12700" cap="flat" cmpd="sng" algn="ctr">
+                      <a:solidFill>
+                        <a:schemeClr val="tx1"/>
+                      </a:solidFill>
+                      <a:prstDash val="solid"/>
+                      <a:round/>
+                      <a:headEnd type="none" w="med" len="med"/>
+                      <a:tailEnd type="none" w="med" len="med"/>
+                    </a:lnB>
+                    <a:lnTlToBr w="12700" cmpd="sng">
+                      <a:noFill/>
+                      <a:prstDash val="solid"/>
+                    </a:lnTlToBr>
+                    <a:lnBlToTr w="12700" cmpd="sng">
+                      <a:noFill/>
+                      <a:prstDash val="solid"/>
+                    </a:lnBlToTr>
+                  </a:tcPr>
+                </a:tc>
+                <a:tc>
+                  <a:txBody>
+                    <a:bodyPr/>
+                    <a:lstStyle/>
+                    <a:p>
+                      <a:pPr algn="l" fontAlgn="b"/>
+                      <a:r>
+                        <a:rPr lang="ja-JP" altLang="en-US" sz="1100" b="0" i="0" u="none" strike="noStrike" dirty="0">
+                          <a:solidFill>
+                            <a:srgbClr val="000000"/>
+                          </a:solidFill>
+                          <a:effectLst/>
+                          <a:latin typeface="ＭＳ Ｐゴシック" panose="020B0600070205080204" pitchFamily="50" charset="-128"/>
+                          <a:ea typeface="ＭＳ Ｐゴシック" panose="020B0600070205080204" pitchFamily="50" charset="-128"/>
+                        </a:rPr>
+                        <a:t>私の目標は家族との時間を大切にする、そのためにアドバイスを求めします。</a:t>
+                      </a:r>
+                    </a:p>
+                  </a:txBody>
+                  <a:tcPr marL="9525" marR="9525" marT="9525" marB="0" anchor="b">
+                    <a:lnL w="12700" cap="flat" cmpd="sng" algn="ctr">
+                      <a:solidFill>
+                        <a:schemeClr val="tx1"/>
+                      </a:solidFill>
+                      <a:prstDash val="solid"/>
+                      <a:round/>
+                      <a:headEnd type="none" w="med" len="med"/>
+                      <a:tailEnd type="none" w="med" len="med"/>
+                    </a:lnL>
+                    <a:lnR w="12700" cap="flat" cmpd="sng" algn="ctr">
+                      <a:solidFill>
+                        <a:schemeClr val="tx1"/>
+                      </a:solidFill>
+                      <a:prstDash val="solid"/>
+                      <a:round/>
+                      <a:headEnd type="none" w="med" len="med"/>
+                      <a:tailEnd type="none" w="med" len="med"/>
+                    </a:lnR>
+                    <a:lnT w="12700" cap="flat" cmpd="sng" algn="ctr">
+                      <a:solidFill>
+                        <a:schemeClr val="tx1"/>
+                      </a:solidFill>
+                      <a:prstDash val="solid"/>
+                      <a:round/>
+                      <a:headEnd type="none" w="med" len="med"/>
+                      <a:tailEnd type="none" w="med" len="med"/>
+                    </a:lnT>
+                    <a:lnB w="12700" cap="flat" cmpd="sng" algn="ctr">
+                      <a:solidFill>
+                        <a:schemeClr val="tx1"/>
+                      </a:solidFill>
+                      <a:prstDash val="solid"/>
+                      <a:round/>
+                      <a:headEnd type="none" w="med" len="med"/>
+                      <a:tailEnd type="none" w="med" len="med"/>
+                    </a:lnB>
+                    <a:lnTlToBr w="12700" cmpd="sng">
+                      <a:noFill/>
+                      <a:prstDash val="solid"/>
+                    </a:lnTlToBr>
+                    <a:lnBlToTr w="12700" cmpd="sng">
+                      <a:noFill/>
+                      <a:prstDash val="solid"/>
+                    </a:lnBlToTr>
+                  </a:tcPr>
+                </a:tc>
+                <a:extLst>
+                  <a:ext uri="{0D108BD9-81ED-4DB2-BD59-A6C34878D82A}">
+                    <a16:rowId xmlns:a16="http://schemas.microsoft.com/office/drawing/2014/main" val="3466130369"/>
+                  </a:ext>
+                </a:extLst>
+              </a:tr>
+            </a:tbl>
+          </a:graphicData>
+        </a:graphic>
+      </p:graphicFrame>
+      <p:pic>
+        <p:nvPicPr>
+          <p:cNvPr id="1026" name="Picture 2" descr="0"/>
+          <p:cNvPicPr>
+            <a:picLocks noChangeAspect="1" noChangeArrowheads="1"/>
+          </p:cNvPicPr>
+          <p:nvPr/>
+        </p:nvPicPr>
+        <p:blipFill>
+          <a:blip r:embed="rId2">
+            <a:extLst>
+              <a:ext uri="{28A0092B-C50C-407E-A947-70E740481C1C}">
+                <a14:useLocalDpi xmlns:a14="http://schemas.microsoft.com/office/drawing/2010/main" val="0"/>
+              </a:ext>
+            </a:extLst>
+          </a:blip>
+          <a:srcRect/>
+          <a:stretch>
+            <a:fillRect/>
+          </a:stretch>
+        </p:blipFill>
+        <p:spPr bwMode="auto">
+          <a:xfrm>
+            <a:off x="7045745" y="1436327"/>
+            <a:ext cx="4755860" cy="2472494"/>
+          </a:xfrm>
+          <a:prstGeom prst="rect">
+            <a:avLst/>
+          </a:prstGeom>
+          <a:noFill/>
+          <a:extLst>
+            <a:ext uri="{909E8E84-426E-40DD-AFC4-6F175D3DCCD1}">
+              <a14:hiddenFill xmlns:a14="http://schemas.microsoft.com/office/drawing/2010/main">
+                <a:solidFill>
+                  <a:srgbClr val="FFFFFF"/>
+                </a:solidFill>
+              </a14:hiddenFill>
+            </a:ext>
+          </a:extLst>
+        </p:spPr>
+      </p:pic>
+      <p:pic>
+        <p:nvPicPr>
+          <p:cNvPr id="5" name="図 4"/>
+          <p:cNvPicPr>
+            <a:picLocks noChangeAspect="1"/>
+          </p:cNvPicPr>
+          <p:nvPr/>
+        </p:nvPicPr>
+        <p:blipFill rotWithShape="1">
+          <a:blip r:embed="rId3">
+            <a:extLst>
+              <a:ext uri="{28A0092B-C50C-407E-A947-70E740481C1C}">
+                <a14:useLocalDpi xmlns:a14="http://schemas.microsoft.com/office/drawing/2010/main" val="0"/>
+              </a:ext>
+            </a:extLst>
+          </a:blip>
+          <a:srcRect t="20550" b="5941"/>
+          <a:stretch/>
+        </p:blipFill>
+        <p:spPr>
+          <a:xfrm>
+            <a:off x="838200" y="4132258"/>
+            <a:ext cx="5367146" cy="2536228"/>
+          </a:xfrm>
+          <a:prstGeom prst="rect">
+            <a:avLst/>
+          </a:prstGeom>
+        </p:spPr>
+      </p:pic>
+      <p:sp>
+        <p:nvSpPr>
+          <p:cNvPr id="6" name="下矢印 5"/>
+          <p:cNvSpPr/>
+          <p:nvPr/>
+        </p:nvSpPr>
+        <p:spPr>
+          <a:xfrm>
+            <a:off x="3188941" y="3593611"/>
+            <a:ext cx="695739" cy="387626"/>
+          </a:xfrm>
+          <a:prstGeom prst="downArrow">
+            <a:avLst/>
+          </a:prstGeom>
+        </p:spPr>
+        <p:style>
+          <a:lnRef idx="2">
+            <a:schemeClr val="accent1">
+              <a:shade val="50000"/>
+            </a:schemeClr>
+          </a:lnRef>
+          <a:fillRef idx="1">
+            <a:schemeClr val="accent1"/>
+          </a:fillRef>
+          <a:effectRef idx="0">
+            <a:schemeClr val="accent1"/>
+          </a:effectRef>
+          <a:fontRef idx="minor">
+            <a:schemeClr val="lt1"/>
+          </a:fontRef>
+        </p:style>
+        <p:txBody>
+          <a:bodyPr rtlCol="0" anchor="ctr"/>
+          <a:lstStyle/>
+          <a:p>
+            <a:pPr algn="ctr"/>
+            <a:endParaRPr kumimoji="1" lang="ja-JP" altLang="en-US"/>
+          </a:p>
+        </p:txBody>
+      </p:sp>
+      <p:sp>
+        <p:nvSpPr>
+          <p:cNvPr id="7" name="右矢印 6"/>
+          <p:cNvSpPr/>
+          <p:nvPr/>
+        </p:nvSpPr>
+        <p:spPr>
+          <a:xfrm>
+            <a:off x="6598485" y="2352884"/>
+            <a:ext cx="447260" cy="487017"/>
+          </a:xfrm>
+          <a:prstGeom prst="rightArrow">
+            <a:avLst/>
+          </a:prstGeom>
+        </p:spPr>
+        <p:style>
+          <a:lnRef idx="2">
+            <a:schemeClr val="accent1">
+              <a:shade val="50000"/>
+            </a:schemeClr>
+          </a:lnRef>
+          <a:fillRef idx="1">
+            <a:schemeClr val="accent1"/>
+          </a:fillRef>
+          <a:effectRef idx="0">
+            <a:schemeClr val="accent1"/>
+          </a:effectRef>
+          <a:fontRef idx="minor">
+            <a:schemeClr val="lt1"/>
+          </a:fontRef>
+        </p:style>
+        <p:txBody>
+          <a:bodyPr rtlCol="0" anchor="ctr"/>
+          <a:lstStyle/>
+          <a:p>
+            <a:pPr algn="ctr"/>
+            <a:endParaRPr kumimoji="1" lang="ja-JP" altLang="en-US"/>
+          </a:p>
+        </p:txBody>
+      </p:sp>
+    </p:spTree>
+    <p:extLst>
+      <p:ext uri="{BB962C8B-B14F-4D97-AF65-F5344CB8AC3E}">
+        <p14:creationId xmlns:p14="http://schemas.microsoft.com/office/powerpoint/2010/main" val="2029520236"/>
+      </p:ext>
+    </p:extLst>
+  </p:cSld>
+  <p:clrMapOvr>
+    <a:masterClrMapping/>
+  </p:clrMapOvr>
+</p:sld>
+</file>
+
+<file path=ppt/slides/slide6.xml><?xml version="1.0" encoding="utf-8"?>
+<p:sld xmlns:a="http://schemas.openxmlformats.org/drawingml/2006/main" xmlns:r="http://schemas.openxmlformats.org/officeDocument/2006/relationships" xmlns:p="http://schemas.openxmlformats.org/presentationml/2006/main">
+  <p:cSld>
+    <p:spTree>
+      <p:nvGrpSpPr>
+        <p:cNvPr id="1" name=""/>
+        <p:cNvGrpSpPr/>
+        <p:nvPr/>
+      </p:nvGrpSpPr>
+      <p:grpSpPr>
+        <a:xfrm>
+          <a:off x="0" y="0"/>
+          <a:ext cx="0" cy="0"/>
+          <a:chOff x="0" y="0"/>
+          <a:chExt cx="0" cy="0"/>
+        </a:xfrm>
+      </p:grpSpPr>
+      <p:sp>
+        <p:nvSpPr>
+          <p:cNvPr id="2" name="タイトル 1">
+            <a:extLst>
+              <a:ext uri="{FF2B5EF4-FFF2-40B4-BE49-F238E27FC236}">
+                <a16:creationId xmlns:a16="http://schemas.microsoft.com/office/drawing/2014/main" id="{A649B4B9-A5FE-7B5E-D2E9-FB0D4D43E266}"/>
+              </a:ext>
+            </a:extLst>
+          </p:cNvPr>
+          <p:cNvSpPr>
+            <a:spLocks noGrp="1"/>
+          </p:cNvSpPr>
+          <p:nvPr>
+            <p:ph type="title"/>
+          </p:nvPr>
+        </p:nvSpPr>
+        <p:spPr/>
+        <p:txBody>
+          <a:bodyPr/>
+          <a:lstStyle/>
+          <a:p>
+            <a:r>
               <a:rPr kumimoji="1" lang="ja-JP" altLang="en-US" dirty="0">
                 <a:latin typeface="UD デジタル 教科書体 NP-R" panose="02020400000000000000" pitchFamily="18" charset="-128"/>
                 <a:ea typeface="UD デジタル 教科書体 NP-R" panose="02020400000000000000" pitchFamily="18" charset="-128"/>
@@ -7272,7 +9461,7 @@
 </p:sld>
 </file>
 
-<file path=ppt/slides/slide6.xml><?xml version="1.0" encoding="utf-8"?>
+<file path=ppt/slides/slide7.xml><?xml version="1.0" encoding="utf-8"?>
 <p:sld xmlns:a="http://schemas.openxmlformats.org/drawingml/2006/main" xmlns:r="http://schemas.openxmlformats.org/officeDocument/2006/relationships" xmlns:p="http://schemas.openxmlformats.org/presentationml/2006/main">
   <p:cSld>
     <p:spTree>

--- a/分析イメージ.pptx
+++ b/分析イメージ.pptx
@@ -8,10 +8,11 @@
     <p:sldId id="263" r:id="rId2"/>
     <p:sldId id="261" r:id="rId3"/>
     <p:sldId id="258" r:id="rId4"/>
-    <p:sldId id="264" r:id="rId5"/>
-    <p:sldId id="265" r:id="rId6"/>
-    <p:sldId id="262" r:id="rId7"/>
-    <p:sldId id="260" r:id="rId8"/>
+    <p:sldId id="266" r:id="rId5"/>
+    <p:sldId id="264" r:id="rId6"/>
+    <p:sldId id="265" r:id="rId7"/>
+    <p:sldId id="262" r:id="rId8"/>
+    <p:sldId id="260" r:id="rId9"/>
   </p:sldIdLst>
   <p:sldSz cx="12192000" cy="6858000"/>
   <p:notesSz cx="6858000" cy="9144000"/>
@@ -265,7 +266,7 @@
           <a:p>
             <a:fld id="{56B06BC5-3DAC-4251-BF5D-192E8881373E}" type="datetimeFigureOut">
               <a:rPr kumimoji="1" lang="ja-JP" altLang="en-US" smtClean="0"/>
-              <a:t>2023/10/26</a:t>
+              <a:t>2023/10/27</a:t>
             </a:fld>
             <a:endParaRPr kumimoji="1" lang="ja-JP" altLang="en-US"/>
           </a:p>
@@ -495,7 +496,7 @@
           <a:p>
             <a:fld id="{56B06BC5-3DAC-4251-BF5D-192E8881373E}" type="datetimeFigureOut">
               <a:rPr kumimoji="1" lang="ja-JP" altLang="en-US" smtClean="0"/>
-              <a:t>2023/10/26</a:t>
+              <a:t>2023/10/27</a:t>
             </a:fld>
             <a:endParaRPr kumimoji="1" lang="ja-JP" altLang="en-US"/>
           </a:p>
@@ -735,7 +736,7 @@
           <a:p>
             <a:fld id="{56B06BC5-3DAC-4251-BF5D-192E8881373E}" type="datetimeFigureOut">
               <a:rPr kumimoji="1" lang="ja-JP" altLang="en-US" smtClean="0"/>
-              <a:t>2023/10/26</a:t>
+              <a:t>2023/10/27</a:t>
             </a:fld>
             <a:endParaRPr kumimoji="1" lang="ja-JP" altLang="en-US"/>
           </a:p>
@@ -965,7 +966,7 @@
           <a:p>
             <a:fld id="{56B06BC5-3DAC-4251-BF5D-192E8881373E}" type="datetimeFigureOut">
               <a:rPr kumimoji="1" lang="ja-JP" altLang="en-US" smtClean="0"/>
-              <a:t>2023/10/26</a:t>
+              <a:t>2023/10/27</a:t>
             </a:fld>
             <a:endParaRPr kumimoji="1" lang="ja-JP" altLang="en-US"/>
           </a:p>
@@ -1240,7 +1241,7 @@
           <a:p>
             <a:fld id="{56B06BC5-3DAC-4251-BF5D-192E8881373E}" type="datetimeFigureOut">
               <a:rPr kumimoji="1" lang="ja-JP" altLang="en-US" smtClean="0"/>
-              <a:t>2023/10/26</a:t>
+              <a:t>2023/10/27</a:t>
             </a:fld>
             <a:endParaRPr kumimoji="1" lang="ja-JP" altLang="en-US"/>
           </a:p>
@@ -1569,7 +1570,7 @@
           <a:p>
             <a:fld id="{56B06BC5-3DAC-4251-BF5D-192E8881373E}" type="datetimeFigureOut">
               <a:rPr kumimoji="1" lang="ja-JP" altLang="en-US" smtClean="0"/>
-              <a:t>2023/10/26</a:t>
+              <a:t>2023/10/27</a:t>
             </a:fld>
             <a:endParaRPr kumimoji="1" lang="ja-JP" altLang="en-US"/>
           </a:p>
@@ -2045,7 +2046,7 @@
           <a:p>
             <a:fld id="{56B06BC5-3DAC-4251-BF5D-192E8881373E}" type="datetimeFigureOut">
               <a:rPr kumimoji="1" lang="ja-JP" altLang="en-US" smtClean="0"/>
-              <a:t>2023/10/26</a:t>
+              <a:t>2023/10/27</a:t>
             </a:fld>
             <a:endParaRPr kumimoji="1" lang="ja-JP" altLang="en-US"/>
           </a:p>
@@ -2186,7 +2187,7 @@
           <a:p>
             <a:fld id="{56B06BC5-3DAC-4251-BF5D-192E8881373E}" type="datetimeFigureOut">
               <a:rPr kumimoji="1" lang="ja-JP" altLang="en-US" smtClean="0"/>
-              <a:t>2023/10/26</a:t>
+              <a:t>2023/10/27</a:t>
             </a:fld>
             <a:endParaRPr kumimoji="1" lang="ja-JP" altLang="en-US"/>
           </a:p>
@@ -2299,7 +2300,7 @@
           <a:p>
             <a:fld id="{56B06BC5-3DAC-4251-BF5D-192E8881373E}" type="datetimeFigureOut">
               <a:rPr kumimoji="1" lang="ja-JP" altLang="en-US" smtClean="0"/>
-              <a:t>2023/10/26</a:t>
+              <a:t>2023/10/27</a:t>
             </a:fld>
             <a:endParaRPr kumimoji="1" lang="ja-JP" altLang="en-US"/>
           </a:p>
@@ -2642,7 +2643,7 @@
           <a:p>
             <a:fld id="{56B06BC5-3DAC-4251-BF5D-192E8881373E}" type="datetimeFigureOut">
               <a:rPr kumimoji="1" lang="ja-JP" altLang="en-US" smtClean="0"/>
-              <a:t>2023/10/26</a:t>
+              <a:t>2023/10/27</a:t>
             </a:fld>
             <a:endParaRPr kumimoji="1" lang="ja-JP" altLang="en-US"/>
           </a:p>
@@ -2930,7 +2931,7 @@
           <a:p>
             <a:fld id="{56B06BC5-3DAC-4251-BF5D-192E8881373E}" type="datetimeFigureOut">
               <a:rPr kumimoji="1" lang="ja-JP" altLang="en-US" smtClean="0"/>
-              <a:t>2023/10/26</a:t>
+              <a:t>2023/10/27</a:t>
             </a:fld>
             <a:endParaRPr kumimoji="1" lang="ja-JP" altLang="en-US"/>
           </a:p>
@@ -3203,7 +3204,7 @@
           <a:p>
             <a:fld id="{56B06BC5-3DAC-4251-BF5D-192E8881373E}" type="datetimeFigureOut">
               <a:rPr kumimoji="1" lang="ja-JP" altLang="en-US" smtClean="0"/>
-              <a:t>2023/10/26</a:t>
+              <a:t>2023/10/27</a:t>
             </a:fld>
             <a:endParaRPr kumimoji="1" lang="ja-JP" altLang="en-US"/>
           </a:p>
@@ -6470,6 +6471,1207 @@
       </p:sp>
       <p:sp>
         <p:nvSpPr>
+          <p:cNvPr id="19" name="右中かっこ 18">
+            <a:extLst>
+              <a:ext uri="{FF2B5EF4-FFF2-40B4-BE49-F238E27FC236}">
+                <a16:creationId xmlns:a16="http://schemas.microsoft.com/office/drawing/2014/main" id="{92BEE314-9AAF-C1AF-9479-7929B5FFA586}"/>
+              </a:ext>
+            </a:extLst>
+          </p:cNvPr>
+          <p:cNvSpPr/>
+          <p:nvPr/>
+        </p:nvSpPr>
+        <p:spPr>
+          <a:xfrm rot="5400000">
+            <a:off x="5897344" y="1953672"/>
+            <a:ext cx="397310" cy="5841099"/>
+          </a:xfrm>
+          <a:prstGeom prst="rightBrace">
+            <a:avLst/>
+          </a:prstGeom>
+          <a:ln w="38100">
+            <a:solidFill>
+              <a:schemeClr val="tx1"/>
+            </a:solidFill>
+          </a:ln>
+        </p:spPr>
+        <p:style>
+          <a:lnRef idx="1">
+            <a:schemeClr val="accent1"/>
+          </a:lnRef>
+          <a:fillRef idx="0">
+            <a:schemeClr val="accent1"/>
+          </a:fillRef>
+          <a:effectRef idx="0">
+            <a:schemeClr val="accent1"/>
+          </a:effectRef>
+          <a:fontRef idx="minor">
+            <a:schemeClr val="tx1"/>
+          </a:fontRef>
+        </p:style>
+        <p:txBody>
+          <a:bodyPr rtlCol="0" anchor="ctr"/>
+          <a:lstStyle/>
+          <a:p>
+            <a:pPr algn="ctr"/>
+            <a:endParaRPr kumimoji="1" lang="ja-JP" altLang="en-US">
+              <a:latin typeface="UD デジタル 教科書体 NP-R" panose="02020400000000000000" pitchFamily="18" charset="-128"/>
+              <a:ea typeface="UD デジタル 教科書体 NP-R" panose="02020400000000000000" pitchFamily="18" charset="-128"/>
+            </a:endParaRPr>
+          </a:p>
+        </p:txBody>
+      </p:sp>
+      <p:sp>
+        <p:nvSpPr>
+          <p:cNvPr id="20" name="テキスト ボックス 19">
+            <a:extLst>
+              <a:ext uri="{FF2B5EF4-FFF2-40B4-BE49-F238E27FC236}">
+                <a16:creationId xmlns:a16="http://schemas.microsoft.com/office/drawing/2014/main" id="{EDA09574-A4CF-AC6C-122E-9272810B6151}"/>
+              </a:ext>
+            </a:extLst>
+          </p:cNvPr>
+          <p:cNvSpPr txBox="1"/>
+          <p:nvPr/>
+        </p:nvSpPr>
+        <p:spPr>
+          <a:xfrm>
+            <a:off x="132669" y="5258932"/>
+            <a:ext cx="11926663" cy="461665"/>
+          </a:xfrm>
+          <a:prstGeom prst="rect">
+            <a:avLst/>
+          </a:prstGeom>
+          <a:noFill/>
+        </p:spPr>
+        <p:txBody>
+          <a:bodyPr wrap="none" rtlCol="0">
+            <a:spAutoFit/>
+          </a:bodyPr>
+          <a:lstStyle/>
+          <a:p>
+            <a:r>
+              <a:rPr lang="en-US" altLang="ja-JP" sz="2400" dirty="0">
+                <a:latin typeface="UD デジタル 教科書体 NP-R" panose="02020400000000000000" pitchFamily="18" charset="-128"/>
+                <a:ea typeface="UD デジタル 教科書体 NP-R" panose="02020400000000000000" pitchFamily="18" charset="-128"/>
+              </a:rPr>
+              <a:t>A</a:t>
+            </a:r>
+            <a:r>
+              <a:rPr lang="ja-JP" altLang="en-US" sz="2400" dirty="0">
+                <a:latin typeface="UD デジタル 教科書体 NP-R" panose="02020400000000000000" pitchFamily="18" charset="-128"/>
+                <a:ea typeface="UD デジタル 教科書体 NP-R" panose="02020400000000000000" pitchFamily="18" charset="-128"/>
+              </a:rPr>
+              <a:t>組・</a:t>
+            </a:r>
+            <a:r>
+              <a:rPr lang="en-US" altLang="ja-JP" sz="2400" dirty="0">
+                <a:latin typeface="UD デジタル 教科書体 NP-R" panose="02020400000000000000" pitchFamily="18" charset="-128"/>
+                <a:ea typeface="UD デジタル 教科書体 NP-R" panose="02020400000000000000" pitchFamily="18" charset="-128"/>
+              </a:rPr>
+              <a:t>B</a:t>
+            </a:r>
+            <a:r>
+              <a:rPr lang="ja-JP" altLang="en-US" sz="2400">
+                <a:latin typeface="UD デジタル 教科書体 NP-R" panose="02020400000000000000" pitchFamily="18" charset="-128"/>
+                <a:ea typeface="UD デジタル 教科書体 NP-R" panose="02020400000000000000" pitchFamily="18" charset="-128"/>
+              </a:rPr>
+              <a:t>組・</a:t>
+            </a:r>
+            <a:r>
+              <a:rPr lang="en-US" altLang="ja-JP" sz="2400" dirty="0">
+                <a:latin typeface="UD デジタル 教科書体 NP-R" panose="02020400000000000000" pitchFamily="18" charset="-128"/>
+                <a:ea typeface="UD デジタル 教科書体 NP-R" panose="02020400000000000000" pitchFamily="18" charset="-128"/>
+              </a:rPr>
+              <a:t>C</a:t>
+            </a:r>
+            <a:r>
+              <a:rPr lang="ja-JP" altLang="en-US" sz="2400">
+                <a:latin typeface="UD デジタル 教科書体 NP-R" panose="02020400000000000000" pitchFamily="18" charset="-128"/>
+                <a:ea typeface="UD デジタル 教科書体 NP-R" panose="02020400000000000000" pitchFamily="18" charset="-128"/>
+              </a:rPr>
+              <a:t>組</a:t>
+            </a:r>
+            <a:r>
+              <a:rPr kumimoji="1" lang="ja-JP" altLang="en-US" sz="2400">
+                <a:latin typeface="UD デジタル 教科書体 NP-R" panose="02020400000000000000" pitchFamily="18" charset="-128"/>
+                <a:ea typeface="UD デジタル 教科書体 NP-R" panose="02020400000000000000" pitchFamily="18" charset="-128"/>
+              </a:rPr>
+              <a:t>間</a:t>
+            </a:r>
+            <a:r>
+              <a:rPr kumimoji="1" lang="ja-JP" altLang="en-US" sz="2400" dirty="0">
+                <a:latin typeface="UD デジタル 教科書体 NP-R" panose="02020400000000000000" pitchFamily="18" charset="-128"/>
+                <a:ea typeface="UD デジタル 教科書体 NP-R" panose="02020400000000000000" pitchFamily="18" charset="-128"/>
+              </a:rPr>
+              <a:t>で「英・国・数の点数」に</a:t>
+            </a:r>
+            <a:r>
+              <a:rPr kumimoji="1" lang="en-US" altLang="ja-JP" sz="2400" dirty="0">
+                <a:latin typeface="UD デジタル 教科書体 NP-R" panose="02020400000000000000" pitchFamily="18" charset="-128"/>
+                <a:ea typeface="UD デジタル 教科書体 NP-R" panose="02020400000000000000" pitchFamily="18" charset="-128"/>
+              </a:rPr>
+              <a:t>【</a:t>
+            </a:r>
+            <a:r>
+              <a:rPr kumimoji="1" lang="ja-JP" altLang="en-US" sz="2400" dirty="0">
+                <a:solidFill>
+                  <a:srgbClr val="FF0000"/>
+                </a:solidFill>
+                <a:latin typeface="UD デジタル 教科書体 NP-R" panose="02020400000000000000" pitchFamily="18" charset="-128"/>
+                <a:ea typeface="UD デジタル 教科書体 NP-R" panose="02020400000000000000" pitchFamily="18" charset="-128"/>
+              </a:rPr>
+              <a:t>偶然ではない差</a:t>
+            </a:r>
+            <a:r>
+              <a:rPr kumimoji="1" lang="en-US" altLang="ja-JP" sz="2400" dirty="0">
+                <a:latin typeface="UD デジタル 教科書体 NP-R" panose="02020400000000000000" pitchFamily="18" charset="-128"/>
+                <a:ea typeface="UD デジタル 教科書体 NP-R" panose="02020400000000000000" pitchFamily="18" charset="-128"/>
+              </a:rPr>
+              <a:t>】</a:t>
+            </a:r>
+            <a:r>
+              <a:rPr kumimoji="1" lang="ja-JP" altLang="en-US" sz="2400" dirty="0">
+                <a:latin typeface="UD デジタル 教科書体 NP-R" panose="02020400000000000000" pitchFamily="18" charset="-128"/>
+                <a:ea typeface="UD デジタル 教科書体 NP-R" panose="02020400000000000000" pitchFamily="18" charset="-128"/>
+              </a:rPr>
+              <a:t>が生まれるのか？</a:t>
+            </a:r>
+          </a:p>
+        </p:txBody>
+      </p:sp>
+      <p:sp>
+        <p:nvSpPr>
+          <p:cNvPr id="21" name="テキスト ボックス 20">
+            <a:extLst>
+              <a:ext uri="{FF2B5EF4-FFF2-40B4-BE49-F238E27FC236}">
+                <a16:creationId xmlns:a16="http://schemas.microsoft.com/office/drawing/2014/main" id="{D8B17575-5F00-8EAD-7175-2950408CAAFD}"/>
+              </a:ext>
+            </a:extLst>
+          </p:cNvPr>
+          <p:cNvSpPr txBox="1"/>
+          <p:nvPr/>
+        </p:nvSpPr>
+        <p:spPr>
+          <a:xfrm>
+            <a:off x="8424955" y="5918754"/>
+            <a:ext cx="3570208" cy="461665"/>
+          </a:xfrm>
+          <a:prstGeom prst="rect">
+            <a:avLst/>
+          </a:prstGeom>
+          <a:noFill/>
+        </p:spPr>
+        <p:txBody>
+          <a:bodyPr wrap="none" rtlCol="0">
+            <a:spAutoFit/>
+          </a:bodyPr>
+          <a:lstStyle/>
+          <a:p>
+            <a:r>
+              <a:rPr kumimoji="1" lang="ja-JP" altLang="en-US" sz="2400" dirty="0">
+                <a:latin typeface="UD デジタル 教科書体 NP-R" panose="02020400000000000000" pitchFamily="18" charset="-128"/>
+                <a:ea typeface="UD デジタル 教科書体 NP-R" panose="02020400000000000000" pitchFamily="18" charset="-128"/>
+              </a:rPr>
+              <a:t>を統計の力で確かめます</a:t>
+            </a:r>
+          </a:p>
+        </p:txBody>
+      </p:sp>
+      <p:sp>
+        <p:nvSpPr>
+          <p:cNvPr id="22" name="矢印: 右 3">
+            <a:extLst>
+              <a:ext uri="{FF2B5EF4-FFF2-40B4-BE49-F238E27FC236}">
+                <a16:creationId xmlns:a16="http://schemas.microsoft.com/office/drawing/2014/main" id="{DFC8A49D-5A91-C04D-1A76-FA9F65210892}"/>
+              </a:ext>
+            </a:extLst>
+          </p:cNvPr>
+          <p:cNvSpPr/>
+          <p:nvPr/>
+        </p:nvSpPr>
+        <p:spPr>
+          <a:xfrm>
+            <a:off x="4856461" y="4208499"/>
+            <a:ext cx="2345965" cy="443815"/>
+          </a:xfrm>
+          <a:prstGeom prst="roundRect">
+            <a:avLst/>
+          </a:prstGeom>
+          <a:solidFill>
+            <a:schemeClr val="bg1"/>
+          </a:solidFill>
+          <a:ln>
+            <a:solidFill>
+              <a:schemeClr val="tx1"/>
+            </a:solidFill>
+          </a:ln>
+        </p:spPr>
+        <p:style>
+          <a:lnRef idx="2">
+            <a:schemeClr val="accent6">
+              <a:shade val="50000"/>
+            </a:schemeClr>
+          </a:lnRef>
+          <a:fillRef idx="1">
+            <a:schemeClr val="accent6"/>
+          </a:fillRef>
+          <a:effectRef idx="0">
+            <a:schemeClr val="accent6"/>
+          </a:effectRef>
+          <a:fontRef idx="minor">
+            <a:schemeClr val="lt1"/>
+          </a:fontRef>
+        </p:style>
+        <p:txBody>
+          <a:bodyPr rtlCol="0" anchor="ctr"/>
+          <a:lstStyle/>
+          <a:p>
+            <a:pPr algn="ctr"/>
+            <a:r>
+              <a:rPr lang="ja-JP" altLang="en-US" dirty="0">
+                <a:solidFill>
+                  <a:schemeClr val="tx1"/>
+                </a:solidFill>
+                <a:latin typeface="UD デジタル 教科書体 NP-R" panose="02020400000000000000" pitchFamily="18" charset="-128"/>
+                <a:ea typeface="UD デジタル 教科書体 NP-R" panose="02020400000000000000" pitchFamily="18" charset="-128"/>
+              </a:rPr>
+              <a:t>英・国・数の点数</a:t>
+            </a:r>
+            <a:endParaRPr kumimoji="1" lang="ja-JP" altLang="en-US" dirty="0">
+              <a:solidFill>
+                <a:schemeClr val="tx1"/>
+              </a:solidFill>
+              <a:latin typeface="UD デジタル 教科書体 NP-R" panose="02020400000000000000" pitchFamily="18" charset="-128"/>
+              <a:ea typeface="UD デジタル 教科書体 NP-R" panose="02020400000000000000" pitchFamily="18" charset="-128"/>
+            </a:endParaRPr>
+          </a:p>
+        </p:txBody>
+      </p:sp>
+      <p:grpSp>
+        <p:nvGrpSpPr>
+          <p:cNvPr id="27" name="グループ化 26">
+            <a:extLst>
+              <a:ext uri="{FF2B5EF4-FFF2-40B4-BE49-F238E27FC236}">
+                <a16:creationId xmlns:a16="http://schemas.microsoft.com/office/drawing/2014/main" id="{F21AE812-6D90-65B2-FAEF-37EDE7ACF829}"/>
+              </a:ext>
+            </a:extLst>
+          </p:cNvPr>
+          <p:cNvGrpSpPr/>
+          <p:nvPr/>
+        </p:nvGrpSpPr>
+        <p:grpSpPr>
+          <a:xfrm>
+            <a:off x="1988895" y="1784093"/>
+            <a:ext cx="8214211" cy="2263998"/>
+            <a:chOff x="2519139" y="1784093"/>
+            <a:chExt cx="8214211" cy="2263998"/>
+          </a:xfrm>
+        </p:grpSpPr>
+        <p:grpSp>
+          <p:nvGrpSpPr>
+            <p:cNvPr id="26" name="グループ化 25">
+              <a:extLst>
+                <a:ext uri="{FF2B5EF4-FFF2-40B4-BE49-F238E27FC236}">
+                  <a16:creationId xmlns:a16="http://schemas.microsoft.com/office/drawing/2014/main" id="{B251E49C-8EB6-0607-2F1E-176AB1B5B4EE}"/>
+                </a:ext>
+              </a:extLst>
+            </p:cNvPr>
+            <p:cNvGrpSpPr/>
+            <p:nvPr/>
+          </p:nvGrpSpPr>
+          <p:grpSpPr>
+            <a:xfrm>
+              <a:off x="2519139" y="1784093"/>
+              <a:ext cx="2120978" cy="2263998"/>
+              <a:chOff x="2519139" y="1784093"/>
+              <a:chExt cx="2120978" cy="2263998"/>
+            </a:xfrm>
+          </p:grpSpPr>
+          <p:sp>
+            <p:nvSpPr>
+              <p:cNvPr id="10" name="正方形/長方形 9">
+                <a:extLst>
+                  <a:ext uri="{FF2B5EF4-FFF2-40B4-BE49-F238E27FC236}">
+                    <a16:creationId xmlns:a16="http://schemas.microsoft.com/office/drawing/2014/main" id="{B6B4D673-7154-D94A-76C8-93D18853E6A4}"/>
+                  </a:ext>
+                </a:extLst>
+              </p:cNvPr>
+              <p:cNvSpPr/>
+              <p:nvPr/>
+            </p:nvSpPr>
+            <p:spPr>
+              <a:xfrm>
+                <a:off x="2607732" y="1784093"/>
+                <a:ext cx="1945698" cy="800100"/>
+              </a:xfrm>
+              <a:prstGeom prst="rect">
+                <a:avLst/>
+              </a:prstGeom>
+              <a:solidFill>
+                <a:srgbClr val="0070C0"/>
+              </a:solidFill>
+            </p:spPr>
+            <p:style>
+              <a:lnRef idx="2">
+                <a:schemeClr val="accent1">
+                  <a:shade val="50000"/>
+                </a:schemeClr>
+              </a:lnRef>
+              <a:fillRef idx="1">
+                <a:schemeClr val="accent1"/>
+              </a:fillRef>
+              <a:effectRef idx="0">
+                <a:schemeClr val="accent1"/>
+              </a:effectRef>
+              <a:fontRef idx="minor">
+                <a:schemeClr val="lt1"/>
+              </a:fontRef>
+            </p:style>
+            <p:txBody>
+              <a:bodyPr rtlCol="0" anchor="ctr"/>
+              <a:lstStyle/>
+              <a:p>
+                <a:pPr algn="ctr"/>
+                <a:r>
+                  <a:rPr lang="en-US" altLang="ja-JP" sz="2400" dirty="0">
+                    <a:solidFill>
+                      <a:schemeClr val="bg1"/>
+                    </a:solidFill>
+                    <a:latin typeface="UD デジタル 教科書体 NP-R" panose="02020400000000000000" pitchFamily="18" charset="-128"/>
+                    <a:ea typeface="UD デジタル 教科書体 NP-R" panose="02020400000000000000" pitchFamily="18" charset="-128"/>
+                  </a:rPr>
+                  <a:t>A</a:t>
+                </a:r>
+                <a:r>
+                  <a:rPr lang="ja-JP" altLang="en-US" sz="2400" dirty="0">
+                    <a:solidFill>
+                      <a:schemeClr val="bg1"/>
+                    </a:solidFill>
+                    <a:latin typeface="UD デジタル 教科書体 NP-R" panose="02020400000000000000" pitchFamily="18" charset="-128"/>
+                    <a:ea typeface="UD デジタル 教科書体 NP-R" panose="02020400000000000000" pitchFamily="18" charset="-128"/>
+                  </a:rPr>
+                  <a:t>組</a:t>
+                </a:r>
+                <a:endParaRPr kumimoji="1" lang="ja-JP" altLang="en-US" sz="2400" dirty="0">
+                  <a:solidFill>
+                    <a:schemeClr val="bg1"/>
+                  </a:solidFill>
+                  <a:latin typeface="UD デジタル 教科書体 NP-R" panose="02020400000000000000" pitchFamily="18" charset="-128"/>
+                  <a:ea typeface="UD デジタル 教科書体 NP-R" panose="02020400000000000000" pitchFamily="18" charset="-128"/>
+                </a:endParaRPr>
+              </a:p>
+            </p:txBody>
+          </p:sp>
+          <p:grpSp>
+            <p:nvGrpSpPr>
+              <p:cNvPr id="5" name="グループ化 4">
+                <a:extLst>
+                  <a:ext uri="{FF2B5EF4-FFF2-40B4-BE49-F238E27FC236}">
+                    <a16:creationId xmlns:a16="http://schemas.microsoft.com/office/drawing/2014/main" id="{00F8323A-2676-399D-BA93-4E33103A9745}"/>
+                  </a:ext>
+                </a:extLst>
+              </p:cNvPr>
+              <p:cNvGrpSpPr/>
+              <p:nvPr/>
+            </p:nvGrpSpPr>
+            <p:grpSpPr>
+              <a:xfrm>
+                <a:off x="2519139" y="2990958"/>
+                <a:ext cx="2120978" cy="1057133"/>
+                <a:chOff x="1962149" y="1845734"/>
+                <a:chExt cx="3290889" cy="1857375"/>
+              </a:xfrm>
+            </p:grpSpPr>
+            <p:pic>
+              <p:nvPicPr>
+                <p:cNvPr id="6" name="Picture 2" descr="「人」の画像検索結果">
+                  <a:extLst>
+                    <a:ext uri="{FF2B5EF4-FFF2-40B4-BE49-F238E27FC236}">
+                      <a16:creationId xmlns:a16="http://schemas.microsoft.com/office/drawing/2014/main" id="{BA633E58-D454-6A5F-5670-E7700980EEF4}"/>
+                    </a:ext>
+                  </a:extLst>
+                </p:cNvPr>
+                <p:cNvPicPr>
+                  <a:picLocks noChangeAspect="1" noChangeArrowheads="1"/>
+                </p:cNvPicPr>
+                <p:nvPr/>
+              </p:nvPicPr>
+              <p:blipFill>
+                <a:blip r:embed="rId2" cstate="print">
+                  <a:duotone>
+                    <a:schemeClr val="accent1">
+                      <a:shade val="45000"/>
+                      <a:satMod val="135000"/>
+                    </a:schemeClr>
+                    <a:prstClr val="white"/>
+                  </a:duotone>
+                  <a:extLst>
+                    <a:ext uri="{28A0092B-C50C-407E-A947-70E740481C1C}">
+                      <a14:useLocalDpi xmlns:a14="http://schemas.microsoft.com/office/drawing/2010/main" val="0"/>
+                    </a:ext>
+                  </a:extLst>
+                </a:blip>
+                <a:srcRect/>
+                <a:stretch>
+                  <a:fillRect/>
+                </a:stretch>
+              </p:blipFill>
+              <p:spPr bwMode="auto">
+                <a:xfrm>
+                  <a:off x="4324350" y="1845734"/>
+                  <a:ext cx="928688" cy="1857375"/>
+                </a:xfrm>
+                <a:prstGeom prst="rect">
+                  <a:avLst/>
+                </a:prstGeom>
+                <a:noFill/>
+                <a:extLst>
+                  <a:ext uri="{909E8E84-426E-40DD-AFC4-6F175D3DCCD1}">
+                    <a14:hiddenFill xmlns:a14="http://schemas.microsoft.com/office/drawing/2010/main">
+                      <a:solidFill>
+                        <a:srgbClr val="FFFFFF"/>
+                      </a:solidFill>
+                    </a14:hiddenFill>
+                  </a:ext>
+                </a:extLst>
+              </p:spPr>
+            </p:pic>
+            <p:pic>
+              <p:nvPicPr>
+                <p:cNvPr id="7" name="Picture 2" descr="「人」の画像検索結果">
+                  <a:extLst>
+                    <a:ext uri="{FF2B5EF4-FFF2-40B4-BE49-F238E27FC236}">
+                      <a16:creationId xmlns:a16="http://schemas.microsoft.com/office/drawing/2014/main" id="{7C24299A-0FC4-F2CC-D08B-9D99733479DB}"/>
+                    </a:ext>
+                  </a:extLst>
+                </p:cNvPr>
+                <p:cNvPicPr>
+                  <a:picLocks noChangeAspect="1" noChangeArrowheads="1"/>
+                </p:cNvPicPr>
+                <p:nvPr/>
+              </p:nvPicPr>
+              <p:blipFill>
+                <a:blip r:embed="rId2" cstate="print">
+                  <a:duotone>
+                    <a:schemeClr val="accent1">
+                      <a:shade val="45000"/>
+                      <a:satMod val="135000"/>
+                    </a:schemeClr>
+                    <a:prstClr val="white"/>
+                  </a:duotone>
+                  <a:extLst>
+                    <a:ext uri="{28A0092B-C50C-407E-A947-70E740481C1C}">
+                      <a14:useLocalDpi xmlns:a14="http://schemas.microsoft.com/office/drawing/2010/main" val="0"/>
+                    </a:ext>
+                  </a:extLst>
+                </a:blip>
+                <a:srcRect/>
+                <a:stretch>
+                  <a:fillRect/>
+                </a:stretch>
+              </p:blipFill>
+              <p:spPr bwMode="auto">
+                <a:xfrm>
+                  <a:off x="1962149" y="1845734"/>
+                  <a:ext cx="928688" cy="1857375"/>
+                </a:xfrm>
+                <a:prstGeom prst="rect">
+                  <a:avLst/>
+                </a:prstGeom>
+                <a:noFill/>
+                <a:extLst>
+                  <a:ext uri="{909E8E84-426E-40DD-AFC4-6F175D3DCCD1}">
+                    <a14:hiddenFill xmlns:a14="http://schemas.microsoft.com/office/drawing/2010/main">
+                      <a:solidFill>
+                        <a:srgbClr val="FFFFFF"/>
+                      </a:solidFill>
+                    </a14:hiddenFill>
+                  </a:ext>
+                </a:extLst>
+              </p:spPr>
+            </p:pic>
+            <p:pic>
+              <p:nvPicPr>
+                <p:cNvPr id="8" name="Picture 2" descr="「人」の画像検索結果">
+                  <a:extLst>
+                    <a:ext uri="{FF2B5EF4-FFF2-40B4-BE49-F238E27FC236}">
+                      <a16:creationId xmlns:a16="http://schemas.microsoft.com/office/drawing/2014/main" id="{4A57A76A-6A6C-606C-C083-51E7F6006814}"/>
+                    </a:ext>
+                  </a:extLst>
+                </p:cNvPr>
+                <p:cNvPicPr>
+                  <a:picLocks noChangeAspect="1" noChangeArrowheads="1"/>
+                </p:cNvPicPr>
+                <p:nvPr/>
+              </p:nvPicPr>
+              <p:blipFill>
+                <a:blip r:embed="rId2" cstate="print">
+                  <a:duotone>
+                    <a:schemeClr val="accent1">
+                      <a:shade val="45000"/>
+                      <a:satMod val="135000"/>
+                    </a:schemeClr>
+                    <a:prstClr val="white"/>
+                  </a:duotone>
+                  <a:extLst>
+                    <a:ext uri="{28A0092B-C50C-407E-A947-70E740481C1C}">
+                      <a14:useLocalDpi xmlns:a14="http://schemas.microsoft.com/office/drawing/2010/main" val="0"/>
+                    </a:ext>
+                  </a:extLst>
+                </a:blip>
+                <a:srcRect/>
+                <a:stretch>
+                  <a:fillRect/>
+                </a:stretch>
+              </p:blipFill>
+              <p:spPr bwMode="auto">
+                <a:xfrm>
+                  <a:off x="3143249" y="1845734"/>
+                  <a:ext cx="928688" cy="1857375"/>
+                </a:xfrm>
+                <a:prstGeom prst="rect">
+                  <a:avLst/>
+                </a:prstGeom>
+                <a:noFill/>
+                <a:extLst>
+                  <a:ext uri="{909E8E84-426E-40DD-AFC4-6F175D3DCCD1}">
+                    <a14:hiddenFill xmlns:a14="http://schemas.microsoft.com/office/drawing/2010/main">
+                      <a:solidFill>
+                        <a:srgbClr val="FFFFFF"/>
+                      </a:solidFill>
+                    </a14:hiddenFill>
+                  </a:ext>
+                </a:extLst>
+              </p:spPr>
+            </p:pic>
+          </p:grpSp>
+        </p:grpSp>
+        <p:grpSp>
+          <p:nvGrpSpPr>
+            <p:cNvPr id="25" name="グループ化 24">
+              <a:extLst>
+                <a:ext uri="{FF2B5EF4-FFF2-40B4-BE49-F238E27FC236}">
+                  <a16:creationId xmlns:a16="http://schemas.microsoft.com/office/drawing/2014/main" id="{5C740E6A-0A86-8260-B5D3-C004B5A46CF6}"/>
+                </a:ext>
+              </a:extLst>
+            </p:cNvPr>
+            <p:cNvGrpSpPr/>
+            <p:nvPr/>
+          </p:nvGrpSpPr>
+          <p:grpSpPr>
+            <a:xfrm>
+              <a:off x="5565755" y="1784093"/>
+              <a:ext cx="2120978" cy="2263998"/>
+              <a:chOff x="5596963" y="1784093"/>
+              <a:chExt cx="2120978" cy="2263998"/>
+            </a:xfrm>
+          </p:grpSpPr>
+          <p:sp>
+            <p:nvSpPr>
+              <p:cNvPr id="11" name="正方形/長方形 10">
+                <a:extLst>
+                  <a:ext uri="{FF2B5EF4-FFF2-40B4-BE49-F238E27FC236}">
+                    <a16:creationId xmlns:a16="http://schemas.microsoft.com/office/drawing/2014/main" id="{4D1EB95B-D27E-E7B8-B09C-DA181797CCA8}"/>
+                  </a:ext>
+                </a:extLst>
+              </p:cNvPr>
+              <p:cNvSpPr/>
+              <p:nvPr/>
+            </p:nvSpPr>
+            <p:spPr>
+              <a:xfrm>
+                <a:off x="5683651" y="1784093"/>
+                <a:ext cx="1947600" cy="800100"/>
+              </a:xfrm>
+              <a:prstGeom prst="rect">
+                <a:avLst/>
+              </a:prstGeom>
+              <a:solidFill>
+                <a:srgbClr val="BE5108"/>
+              </a:solidFill>
+            </p:spPr>
+            <p:style>
+              <a:lnRef idx="2">
+                <a:schemeClr val="accent1">
+                  <a:shade val="50000"/>
+                </a:schemeClr>
+              </a:lnRef>
+              <a:fillRef idx="1">
+                <a:schemeClr val="accent1"/>
+              </a:fillRef>
+              <a:effectRef idx="0">
+                <a:schemeClr val="accent1"/>
+              </a:effectRef>
+              <a:fontRef idx="minor">
+                <a:schemeClr val="lt1"/>
+              </a:fontRef>
+            </p:style>
+            <p:txBody>
+              <a:bodyPr rtlCol="0" anchor="ctr"/>
+              <a:lstStyle/>
+              <a:p>
+                <a:pPr algn="ctr"/>
+                <a:r>
+                  <a:rPr lang="en-US" altLang="ja-JP" sz="2400" dirty="0">
+                    <a:solidFill>
+                      <a:schemeClr val="bg1"/>
+                    </a:solidFill>
+                    <a:latin typeface="UD デジタル 教科書体 NP-R" panose="02020400000000000000" pitchFamily="18" charset="-128"/>
+                    <a:ea typeface="UD デジタル 教科書体 NP-R" panose="02020400000000000000" pitchFamily="18" charset="-128"/>
+                  </a:rPr>
+                  <a:t>B</a:t>
+                </a:r>
+                <a:r>
+                  <a:rPr lang="ja-JP" altLang="en-US" sz="2400" dirty="0">
+                    <a:solidFill>
+                      <a:schemeClr val="bg1"/>
+                    </a:solidFill>
+                    <a:latin typeface="UD デジタル 教科書体 NP-R" panose="02020400000000000000" pitchFamily="18" charset="-128"/>
+                    <a:ea typeface="UD デジタル 教科書体 NP-R" panose="02020400000000000000" pitchFamily="18" charset="-128"/>
+                  </a:rPr>
+                  <a:t>組</a:t>
+                </a:r>
+                <a:endParaRPr kumimoji="1" lang="ja-JP" altLang="en-US" sz="2400" dirty="0">
+                  <a:solidFill>
+                    <a:schemeClr val="bg1"/>
+                  </a:solidFill>
+                  <a:latin typeface="UD デジタル 教科書体 NP-R" panose="02020400000000000000" pitchFamily="18" charset="-128"/>
+                  <a:ea typeface="UD デジタル 教科書体 NP-R" panose="02020400000000000000" pitchFamily="18" charset="-128"/>
+                </a:endParaRPr>
+              </a:p>
+            </p:txBody>
+          </p:sp>
+          <p:grpSp>
+            <p:nvGrpSpPr>
+              <p:cNvPr id="14" name="グループ化 13">
+                <a:extLst>
+                  <a:ext uri="{FF2B5EF4-FFF2-40B4-BE49-F238E27FC236}">
+                    <a16:creationId xmlns:a16="http://schemas.microsoft.com/office/drawing/2014/main" id="{AA6D4A71-6DDC-31B3-80EB-8243E8CBAF78}"/>
+                  </a:ext>
+                </a:extLst>
+              </p:cNvPr>
+              <p:cNvGrpSpPr/>
+              <p:nvPr/>
+            </p:nvGrpSpPr>
+            <p:grpSpPr>
+              <a:xfrm>
+                <a:off x="5596963" y="2990958"/>
+                <a:ext cx="2120978" cy="1057133"/>
+                <a:chOff x="-1071084" y="1845734"/>
+                <a:chExt cx="3290888" cy="1857375"/>
+              </a:xfrm>
+            </p:grpSpPr>
+            <p:pic>
+              <p:nvPicPr>
+                <p:cNvPr id="15" name="Picture 2" descr="「人」の画像検索結果">
+                  <a:extLst>
+                    <a:ext uri="{FF2B5EF4-FFF2-40B4-BE49-F238E27FC236}">
+                      <a16:creationId xmlns:a16="http://schemas.microsoft.com/office/drawing/2014/main" id="{EDFC6CE8-6A6F-F139-4E1C-CE035845B52D}"/>
+                    </a:ext>
+                  </a:extLst>
+                </p:cNvPr>
+                <p:cNvPicPr>
+                  <a:picLocks noChangeAspect="1" noChangeArrowheads="1"/>
+                </p:cNvPicPr>
+                <p:nvPr/>
+              </p:nvPicPr>
+              <p:blipFill>
+                <a:blip r:embed="rId2" cstate="print">
+                  <a:duotone>
+                    <a:schemeClr val="accent2">
+                      <a:shade val="45000"/>
+                      <a:satMod val="135000"/>
+                    </a:schemeClr>
+                    <a:prstClr val="white"/>
+                  </a:duotone>
+                  <a:extLst>
+                    <a:ext uri="{28A0092B-C50C-407E-A947-70E740481C1C}">
+                      <a14:useLocalDpi xmlns:a14="http://schemas.microsoft.com/office/drawing/2010/main" val="0"/>
+                    </a:ext>
+                  </a:extLst>
+                </a:blip>
+                <a:srcRect/>
+                <a:stretch>
+                  <a:fillRect/>
+                </a:stretch>
+              </p:blipFill>
+              <p:spPr bwMode="auto">
+                <a:xfrm>
+                  <a:off x="1291117" y="1845734"/>
+                  <a:ext cx="928687" cy="1857375"/>
+                </a:xfrm>
+                <a:prstGeom prst="rect">
+                  <a:avLst/>
+                </a:prstGeom>
+                <a:noFill/>
+                <a:extLst>
+                  <a:ext uri="{909E8E84-426E-40DD-AFC4-6F175D3DCCD1}">
+                    <a14:hiddenFill xmlns:a14="http://schemas.microsoft.com/office/drawing/2010/main">
+                      <a:solidFill>
+                        <a:srgbClr val="FFFFFF"/>
+                      </a:solidFill>
+                    </a14:hiddenFill>
+                  </a:ext>
+                </a:extLst>
+              </p:spPr>
+            </p:pic>
+            <p:pic>
+              <p:nvPicPr>
+                <p:cNvPr id="16" name="Picture 2" descr="「人」の画像検索結果">
+                  <a:extLst>
+                    <a:ext uri="{FF2B5EF4-FFF2-40B4-BE49-F238E27FC236}">
+                      <a16:creationId xmlns:a16="http://schemas.microsoft.com/office/drawing/2014/main" id="{30F19EF6-5181-241A-30C9-F8864E64B76B}"/>
+                    </a:ext>
+                  </a:extLst>
+                </p:cNvPr>
+                <p:cNvPicPr>
+                  <a:picLocks noChangeAspect="1" noChangeArrowheads="1"/>
+                </p:cNvPicPr>
+                <p:nvPr/>
+              </p:nvPicPr>
+              <p:blipFill>
+                <a:blip r:embed="rId2" cstate="print">
+                  <a:duotone>
+                    <a:schemeClr val="accent2">
+                      <a:shade val="45000"/>
+                      <a:satMod val="135000"/>
+                    </a:schemeClr>
+                    <a:prstClr val="white"/>
+                  </a:duotone>
+                  <a:extLst>
+                    <a:ext uri="{28A0092B-C50C-407E-A947-70E740481C1C}">
+                      <a14:useLocalDpi xmlns:a14="http://schemas.microsoft.com/office/drawing/2010/main" val="0"/>
+                    </a:ext>
+                  </a:extLst>
+                </a:blip>
+                <a:srcRect/>
+                <a:stretch>
+                  <a:fillRect/>
+                </a:stretch>
+              </p:blipFill>
+              <p:spPr bwMode="auto">
+                <a:xfrm>
+                  <a:off x="-1071084" y="1845734"/>
+                  <a:ext cx="928687" cy="1857375"/>
+                </a:xfrm>
+                <a:prstGeom prst="rect">
+                  <a:avLst/>
+                </a:prstGeom>
+                <a:noFill/>
+                <a:extLst>
+                  <a:ext uri="{909E8E84-426E-40DD-AFC4-6F175D3DCCD1}">
+                    <a14:hiddenFill xmlns:a14="http://schemas.microsoft.com/office/drawing/2010/main">
+                      <a:solidFill>
+                        <a:srgbClr val="FFFFFF"/>
+                      </a:solidFill>
+                    </a14:hiddenFill>
+                  </a:ext>
+                </a:extLst>
+              </p:spPr>
+            </p:pic>
+            <p:pic>
+              <p:nvPicPr>
+                <p:cNvPr id="17" name="Picture 2" descr="「人」の画像検索結果">
+                  <a:extLst>
+                    <a:ext uri="{FF2B5EF4-FFF2-40B4-BE49-F238E27FC236}">
+                      <a16:creationId xmlns:a16="http://schemas.microsoft.com/office/drawing/2014/main" id="{C2A0D167-4831-3C97-8F82-E7785287CE7F}"/>
+                    </a:ext>
+                  </a:extLst>
+                </p:cNvPr>
+                <p:cNvPicPr>
+                  <a:picLocks noChangeAspect="1" noChangeArrowheads="1"/>
+                </p:cNvPicPr>
+                <p:nvPr/>
+              </p:nvPicPr>
+              <p:blipFill>
+                <a:blip r:embed="rId2" cstate="print">
+                  <a:duotone>
+                    <a:schemeClr val="accent2">
+                      <a:shade val="45000"/>
+                      <a:satMod val="135000"/>
+                    </a:schemeClr>
+                    <a:prstClr val="white"/>
+                  </a:duotone>
+                  <a:extLst>
+                    <a:ext uri="{28A0092B-C50C-407E-A947-70E740481C1C}">
+                      <a14:useLocalDpi xmlns:a14="http://schemas.microsoft.com/office/drawing/2010/main" val="0"/>
+                    </a:ext>
+                  </a:extLst>
+                </a:blip>
+                <a:srcRect/>
+                <a:stretch>
+                  <a:fillRect/>
+                </a:stretch>
+              </p:blipFill>
+              <p:spPr bwMode="auto">
+                <a:xfrm>
+                  <a:off x="110016" y="1845734"/>
+                  <a:ext cx="928687" cy="1857375"/>
+                </a:xfrm>
+                <a:prstGeom prst="rect">
+                  <a:avLst/>
+                </a:prstGeom>
+                <a:noFill/>
+                <a:extLst>
+                  <a:ext uri="{909E8E84-426E-40DD-AFC4-6F175D3DCCD1}">
+                    <a14:hiddenFill xmlns:a14="http://schemas.microsoft.com/office/drawing/2010/main">
+                      <a:solidFill>
+                        <a:srgbClr val="FFFFFF"/>
+                      </a:solidFill>
+                    </a14:hiddenFill>
+                  </a:ext>
+                </a:extLst>
+              </p:spPr>
+            </p:pic>
+          </p:grpSp>
+        </p:grpSp>
+        <p:grpSp>
+          <p:nvGrpSpPr>
+            <p:cNvPr id="24" name="グループ化 23">
+              <a:extLst>
+                <a:ext uri="{FF2B5EF4-FFF2-40B4-BE49-F238E27FC236}">
+                  <a16:creationId xmlns:a16="http://schemas.microsoft.com/office/drawing/2014/main" id="{36A4634D-0F10-77F4-BCE0-4B0F75442B2E}"/>
+                </a:ext>
+              </a:extLst>
+            </p:cNvPr>
+            <p:cNvGrpSpPr/>
+            <p:nvPr/>
+          </p:nvGrpSpPr>
+          <p:grpSpPr>
+            <a:xfrm>
+              <a:off x="8612372" y="1787454"/>
+              <a:ext cx="2120978" cy="2257276"/>
+              <a:chOff x="8612372" y="1784093"/>
+              <a:chExt cx="2120978" cy="2257276"/>
+            </a:xfrm>
+          </p:grpSpPr>
+          <p:grpSp>
+            <p:nvGrpSpPr>
+              <p:cNvPr id="3" name="グループ化 2">
+                <a:extLst>
+                  <a:ext uri="{FF2B5EF4-FFF2-40B4-BE49-F238E27FC236}">
+                    <a16:creationId xmlns:a16="http://schemas.microsoft.com/office/drawing/2014/main" id="{1DFE3D84-5B6C-23AA-7D0E-D2B7090C9A85}"/>
+                  </a:ext>
+                </a:extLst>
+              </p:cNvPr>
+              <p:cNvGrpSpPr/>
+              <p:nvPr/>
+            </p:nvGrpSpPr>
+            <p:grpSpPr>
+              <a:xfrm>
+                <a:off x="8612372" y="2984236"/>
+                <a:ext cx="2120978" cy="1057133"/>
+                <a:chOff x="-1071084" y="1845734"/>
+                <a:chExt cx="3290888" cy="1857375"/>
+              </a:xfrm>
+            </p:grpSpPr>
+            <p:pic>
+              <p:nvPicPr>
+                <p:cNvPr id="4" name="Picture 2" descr="「人」の画像検索結果">
+                  <a:extLst>
+                    <a:ext uri="{FF2B5EF4-FFF2-40B4-BE49-F238E27FC236}">
+                      <a16:creationId xmlns:a16="http://schemas.microsoft.com/office/drawing/2014/main" id="{6034CF6F-ECB7-88C9-B693-9AA076B25721}"/>
+                    </a:ext>
+                  </a:extLst>
+                </p:cNvPr>
+                <p:cNvPicPr>
+                  <a:picLocks noChangeAspect="1" noChangeArrowheads="1"/>
+                </p:cNvPicPr>
+                <p:nvPr/>
+              </p:nvPicPr>
+              <p:blipFill>
+                <a:blip r:embed="rId2" cstate="print">
+                  <a:duotone>
+                    <a:schemeClr val="accent6">
+                      <a:shade val="45000"/>
+                      <a:satMod val="135000"/>
+                    </a:schemeClr>
+                    <a:prstClr val="white"/>
+                  </a:duotone>
+                  <a:extLst>
+                    <a:ext uri="{28A0092B-C50C-407E-A947-70E740481C1C}">
+                      <a14:useLocalDpi xmlns:a14="http://schemas.microsoft.com/office/drawing/2010/main" val="0"/>
+                    </a:ext>
+                  </a:extLst>
+                </a:blip>
+                <a:srcRect/>
+                <a:stretch>
+                  <a:fillRect/>
+                </a:stretch>
+              </p:blipFill>
+              <p:spPr bwMode="auto">
+                <a:xfrm>
+                  <a:off x="1291117" y="1845734"/>
+                  <a:ext cx="928687" cy="1857375"/>
+                </a:xfrm>
+                <a:prstGeom prst="rect">
+                  <a:avLst/>
+                </a:prstGeom>
+                <a:noFill/>
+                <a:extLst>
+                  <a:ext uri="{909E8E84-426E-40DD-AFC4-6F175D3DCCD1}">
+                    <a14:hiddenFill xmlns:a14="http://schemas.microsoft.com/office/drawing/2010/main">
+                      <a:solidFill>
+                        <a:srgbClr val="FFFFFF"/>
+                      </a:solidFill>
+                    </a14:hiddenFill>
+                  </a:ext>
+                </a:extLst>
+              </p:spPr>
+            </p:pic>
+            <p:pic>
+              <p:nvPicPr>
+                <p:cNvPr id="12" name="Picture 2" descr="「人」の画像検索結果">
+                  <a:extLst>
+                    <a:ext uri="{FF2B5EF4-FFF2-40B4-BE49-F238E27FC236}">
+                      <a16:creationId xmlns:a16="http://schemas.microsoft.com/office/drawing/2014/main" id="{EA2743F3-08E3-6009-5630-CB75D962DC85}"/>
+                    </a:ext>
+                  </a:extLst>
+                </p:cNvPr>
+                <p:cNvPicPr>
+                  <a:picLocks noChangeAspect="1" noChangeArrowheads="1"/>
+                </p:cNvPicPr>
+                <p:nvPr/>
+              </p:nvPicPr>
+              <p:blipFill>
+                <a:blip r:embed="rId2" cstate="print">
+                  <a:duotone>
+                    <a:schemeClr val="accent6">
+                      <a:shade val="45000"/>
+                      <a:satMod val="135000"/>
+                    </a:schemeClr>
+                    <a:prstClr val="white"/>
+                  </a:duotone>
+                  <a:extLst>
+                    <a:ext uri="{28A0092B-C50C-407E-A947-70E740481C1C}">
+                      <a14:useLocalDpi xmlns:a14="http://schemas.microsoft.com/office/drawing/2010/main" val="0"/>
+                    </a:ext>
+                  </a:extLst>
+                </a:blip>
+                <a:srcRect/>
+                <a:stretch>
+                  <a:fillRect/>
+                </a:stretch>
+              </p:blipFill>
+              <p:spPr bwMode="auto">
+                <a:xfrm>
+                  <a:off x="-1071084" y="1845734"/>
+                  <a:ext cx="928687" cy="1857375"/>
+                </a:xfrm>
+                <a:prstGeom prst="rect">
+                  <a:avLst/>
+                </a:prstGeom>
+                <a:noFill/>
+                <a:extLst>
+                  <a:ext uri="{909E8E84-426E-40DD-AFC4-6F175D3DCCD1}">
+                    <a14:hiddenFill xmlns:a14="http://schemas.microsoft.com/office/drawing/2010/main">
+                      <a:solidFill>
+                        <a:srgbClr val="FFFFFF"/>
+                      </a:solidFill>
+                    </a14:hiddenFill>
+                  </a:ext>
+                </a:extLst>
+              </p:spPr>
+            </p:pic>
+            <p:pic>
+              <p:nvPicPr>
+                <p:cNvPr id="13" name="Picture 2" descr="「人」の画像検索結果">
+                  <a:extLst>
+                    <a:ext uri="{FF2B5EF4-FFF2-40B4-BE49-F238E27FC236}">
+                      <a16:creationId xmlns:a16="http://schemas.microsoft.com/office/drawing/2014/main" id="{AAD59BB6-96ED-5BBF-FD1C-F3EA167A5DA5}"/>
+                    </a:ext>
+                  </a:extLst>
+                </p:cNvPr>
+                <p:cNvPicPr>
+                  <a:picLocks noChangeAspect="1" noChangeArrowheads="1"/>
+                </p:cNvPicPr>
+                <p:nvPr/>
+              </p:nvPicPr>
+              <p:blipFill>
+                <a:blip r:embed="rId2" cstate="print">
+                  <a:duotone>
+                    <a:schemeClr val="accent6">
+                      <a:shade val="45000"/>
+                      <a:satMod val="135000"/>
+                    </a:schemeClr>
+                    <a:prstClr val="white"/>
+                  </a:duotone>
+                  <a:extLst>
+                    <a:ext uri="{28A0092B-C50C-407E-A947-70E740481C1C}">
+                      <a14:useLocalDpi xmlns:a14="http://schemas.microsoft.com/office/drawing/2010/main" val="0"/>
+                    </a:ext>
+                  </a:extLst>
+                </a:blip>
+                <a:srcRect/>
+                <a:stretch>
+                  <a:fillRect/>
+                </a:stretch>
+              </p:blipFill>
+              <p:spPr bwMode="auto">
+                <a:xfrm>
+                  <a:off x="110016" y="1845734"/>
+                  <a:ext cx="928687" cy="1857375"/>
+                </a:xfrm>
+                <a:prstGeom prst="rect">
+                  <a:avLst/>
+                </a:prstGeom>
+                <a:noFill/>
+                <a:extLst>
+                  <a:ext uri="{909E8E84-426E-40DD-AFC4-6F175D3DCCD1}">
+                    <a14:hiddenFill xmlns:a14="http://schemas.microsoft.com/office/drawing/2010/main">
+                      <a:solidFill>
+                        <a:srgbClr val="FFFFFF"/>
+                      </a:solidFill>
+                    </a14:hiddenFill>
+                  </a:ext>
+                </a:extLst>
+              </p:spPr>
+            </p:pic>
+          </p:grpSp>
+          <p:sp>
+            <p:nvSpPr>
+              <p:cNvPr id="23" name="正方形/長方形 22">
+                <a:extLst>
+                  <a:ext uri="{FF2B5EF4-FFF2-40B4-BE49-F238E27FC236}">
+                    <a16:creationId xmlns:a16="http://schemas.microsoft.com/office/drawing/2014/main" id="{0C46C684-06FF-8F70-4914-B81AEB13D216}"/>
+                  </a:ext>
+                </a:extLst>
+              </p:cNvPr>
+              <p:cNvSpPr/>
+              <p:nvPr/>
+            </p:nvSpPr>
+            <p:spPr>
+              <a:xfrm>
+                <a:off x="8699060" y="1784093"/>
+                <a:ext cx="1947600" cy="800100"/>
+              </a:xfrm>
+              <a:prstGeom prst="rect">
+                <a:avLst/>
+              </a:prstGeom>
+              <a:solidFill>
+                <a:srgbClr val="4A8523"/>
+              </a:solidFill>
+            </p:spPr>
+            <p:style>
+              <a:lnRef idx="2">
+                <a:schemeClr val="accent1">
+                  <a:shade val="50000"/>
+                </a:schemeClr>
+              </a:lnRef>
+              <a:fillRef idx="1">
+                <a:schemeClr val="accent1"/>
+              </a:fillRef>
+              <a:effectRef idx="0">
+                <a:schemeClr val="accent1"/>
+              </a:effectRef>
+              <a:fontRef idx="minor">
+                <a:schemeClr val="lt1"/>
+              </a:fontRef>
+            </p:style>
+            <p:txBody>
+              <a:bodyPr rtlCol="0" anchor="ctr"/>
+              <a:lstStyle/>
+              <a:p>
+                <a:pPr algn="ctr"/>
+                <a:r>
+                  <a:rPr lang="en-US" altLang="ja-JP" sz="2400" dirty="0">
+                    <a:solidFill>
+                      <a:schemeClr val="bg1"/>
+                    </a:solidFill>
+                    <a:latin typeface="UD デジタル 教科書体 NP-R" panose="02020400000000000000" pitchFamily="18" charset="-128"/>
+                    <a:ea typeface="UD デジタル 教科書体 NP-R" panose="02020400000000000000" pitchFamily="18" charset="-128"/>
+                  </a:rPr>
+                  <a:t>C</a:t>
+                </a:r>
+                <a:r>
+                  <a:rPr lang="ja-JP" altLang="en-US" sz="2400">
+                    <a:solidFill>
+                      <a:schemeClr val="bg1"/>
+                    </a:solidFill>
+                    <a:latin typeface="UD デジタル 教科書体 NP-R" panose="02020400000000000000" pitchFamily="18" charset="-128"/>
+                    <a:ea typeface="UD デジタル 教科書体 NP-R" panose="02020400000000000000" pitchFamily="18" charset="-128"/>
+                  </a:rPr>
+                  <a:t>組</a:t>
+                </a:r>
+                <a:endParaRPr kumimoji="1" lang="ja-JP" altLang="en-US" sz="2400" dirty="0">
+                  <a:solidFill>
+                    <a:schemeClr val="bg1"/>
+                  </a:solidFill>
+                  <a:latin typeface="UD デジタル 教科書体 NP-R" panose="02020400000000000000" pitchFamily="18" charset="-128"/>
+                  <a:ea typeface="UD デジタル 教科書体 NP-R" panose="02020400000000000000" pitchFamily="18" charset="-128"/>
+                </a:endParaRPr>
+              </a:p>
+            </p:txBody>
+          </p:sp>
+        </p:grpSp>
+      </p:grpSp>
+    </p:spTree>
+    <p:extLst>
+      <p:ext uri="{BB962C8B-B14F-4D97-AF65-F5344CB8AC3E}">
+        <p14:creationId xmlns:p14="http://schemas.microsoft.com/office/powerpoint/2010/main" val="1675580068"/>
+      </p:ext>
+    </p:extLst>
+  </p:cSld>
+  <p:clrMapOvr>
+    <a:masterClrMapping/>
+  </p:clrMapOvr>
+</p:sld>
+</file>
+
+<file path=ppt/slides/slide5.xml><?xml version="1.0" encoding="utf-8"?>
+<p:sld xmlns:a="http://schemas.openxmlformats.org/drawingml/2006/main" xmlns:r="http://schemas.openxmlformats.org/officeDocument/2006/relationships" xmlns:p="http://schemas.openxmlformats.org/presentationml/2006/main">
+  <p:cSld>
+    <p:spTree>
+      <p:nvGrpSpPr>
+        <p:cNvPr id="1" name=""/>
+        <p:cNvGrpSpPr/>
+        <p:nvPr/>
+      </p:nvGrpSpPr>
+      <p:grpSpPr>
+        <a:xfrm>
+          <a:off x="0" y="0"/>
+          <a:ext cx="0" cy="0"/>
+          <a:chOff x="0" y="0"/>
+          <a:chExt cx="0" cy="0"/>
+        </a:xfrm>
+      </p:grpSpPr>
+      <p:sp>
+        <p:nvSpPr>
+          <p:cNvPr id="2" name="タイトル 1">
+            <a:extLst>
+              <a:ext uri="{FF2B5EF4-FFF2-40B4-BE49-F238E27FC236}">
+                <a16:creationId xmlns:a16="http://schemas.microsoft.com/office/drawing/2014/main" id="{A649B4B9-A5FE-7B5E-D2E9-FB0D4D43E266}"/>
+              </a:ext>
+            </a:extLst>
+          </p:cNvPr>
+          <p:cNvSpPr>
+            <a:spLocks noGrp="1"/>
+          </p:cNvSpPr>
+          <p:nvPr>
+            <p:ph type="title"/>
+          </p:nvPr>
+        </p:nvSpPr>
+        <p:spPr/>
+        <p:txBody>
+          <a:bodyPr/>
+          <a:lstStyle/>
+          <a:p>
+            <a:r>
+              <a:rPr kumimoji="1" lang="ja-JP" altLang="en-US">
+                <a:latin typeface="UD デジタル 教科書体 NP-R" panose="02020400000000000000" pitchFamily="18" charset="-128"/>
+                <a:ea typeface="UD デジタル 教科書体 NP-R" panose="02020400000000000000" pitchFamily="18" charset="-128"/>
+              </a:rPr>
+              <a:t>デモ用ファイルの分析イメージ</a:t>
+            </a:r>
+            <a:endParaRPr kumimoji="1" lang="ja-JP" altLang="en-US" dirty="0">
+              <a:latin typeface="UD デジタル 教科書体 NP-R" panose="02020400000000000000" pitchFamily="18" charset="-128"/>
+              <a:ea typeface="UD デジタル 教科書体 NP-R" panose="02020400000000000000" pitchFamily="18" charset="-128"/>
+            </a:endParaRPr>
+          </a:p>
+        </p:txBody>
+      </p:sp>
+      <p:sp>
+        <p:nvSpPr>
           <p:cNvPr id="20" name="テキスト ボックス 19">
             <a:extLst>
               <a:ext uri="{FF2B5EF4-FFF2-40B4-BE49-F238E27FC236}">
@@ -6780,7 +7982,7 @@
 </p:sld>
 </file>
 
-<file path=ppt/slides/slide5.xml><?xml version="1.0" encoding="utf-8"?>
+<file path=ppt/slides/slide6.xml><?xml version="1.0" encoding="utf-8"?>
 <p:sld xmlns:a="http://schemas.openxmlformats.org/drawingml/2006/main" xmlns:r="http://schemas.openxmlformats.org/officeDocument/2006/relationships" xmlns:p="http://schemas.openxmlformats.org/presentationml/2006/main">
   <p:cSld>
     <p:spTree>
@@ -6862,13 +8064,13 @@
           <a:p>
             <a:pPr algn="ctr"/>
             <a:r>
-              <a:rPr lang="ja-JP" altLang="en-US" sz="2400" dirty="0" smtClean="0">
+              <a:rPr lang="ja-JP" altLang="en-US" sz="2400" dirty="0">
                 <a:latin typeface="UD デジタル 教科書体 NP-R" panose="02020400000000000000" pitchFamily="18" charset="-128"/>
                 <a:ea typeface="UD デジタル 教科書体 NP-R" panose="02020400000000000000" pitchFamily="18" charset="-128"/>
               </a:rPr>
               <a:t>テキストデータから、</a:t>
             </a:r>
-            <a:endParaRPr lang="en-US" altLang="ja-JP" sz="2400" dirty="0" smtClean="0">
+            <a:endParaRPr lang="en-US" altLang="ja-JP" sz="2400" dirty="0">
               <a:latin typeface="UD デジタル 教科書体 NP-R" panose="02020400000000000000" pitchFamily="18" charset="-128"/>
               <a:ea typeface="UD デジタル 教科書体 NP-R" panose="02020400000000000000" pitchFamily="18" charset="-128"/>
             </a:endParaRPr>
@@ -6876,7 +8078,7 @@
           <a:p>
             <a:pPr algn="ctr"/>
             <a:r>
-              <a:rPr lang="ja-JP" altLang="en-US" sz="2400" dirty="0" smtClean="0">
+              <a:rPr lang="ja-JP" altLang="en-US" sz="2400" dirty="0">
                 <a:solidFill>
                   <a:srgbClr val="FF0000"/>
                 </a:solidFill>
@@ -6886,13 +8088,13 @@
               <a:t>特徴点を抽出</a:t>
             </a:r>
             <a:r>
-              <a:rPr lang="ja-JP" altLang="en-US" sz="2400" dirty="0" smtClean="0">
+              <a:rPr lang="ja-JP" altLang="en-US" sz="2400" dirty="0">
                 <a:latin typeface="UD デジタル 教科書体 NP-R" panose="02020400000000000000" pitchFamily="18" charset="-128"/>
                 <a:ea typeface="UD デジタル 教科書体 NP-R" panose="02020400000000000000" pitchFamily="18" charset="-128"/>
               </a:rPr>
               <a:t>します</a:t>
             </a:r>
-            <a:endParaRPr lang="en-US" altLang="ja-JP" sz="2400" dirty="0" smtClean="0">
+            <a:endParaRPr lang="en-US" altLang="ja-JP" sz="2400" dirty="0">
               <a:latin typeface="UD デジタル 教科書体 NP-R" panose="02020400000000000000" pitchFamily="18" charset="-128"/>
               <a:ea typeface="UD デジタル 教科書体 NP-R" panose="02020400000000000000" pitchFamily="18" charset="-128"/>
             </a:endParaRPr>
@@ -7772,7 +8974,7 @@
                     <a:p>
                       <a:pPr algn="ctr" fontAlgn="b"/>
                       <a:r>
-                        <a:rPr lang="en-US" altLang="ja-JP" sz="1100" b="0" i="0" u="none" strike="noStrike" dirty="0" smtClean="0">
+                        <a:rPr lang="en-US" altLang="ja-JP" sz="1100" b="0" i="0" u="none" strike="noStrike" dirty="0">
                           <a:solidFill>
                             <a:srgbClr val="000000"/>
                           </a:solidFill>
@@ -8968,7 +10170,7 @@
 </p:sld>
 </file>
 
-<file path=ppt/slides/slide6.xml><?xml version="1.0" encoding="utf-8"?>
+<file path=ppt/slides/slide7.xml><?xml version="1.0" encoding="utf-8"?>
 <p:sld xmlns:a="http://schemas.openxmlformats.org/drawingml/2006/main" xmlns:r="http://schemas.openxmlformats.org/officeDocument/2006/relationships" xmlns:p="http://schemas.openxmlformats.org/presentationml/2006/main">
   <p:cSld>
     <p:spTree>
@@ -9461,7 +10663,7 @@
 </p:sld>
 </file>
 
-<file path=ppt/slides/slide7.xml><?xml version="1.0" encoding="utf-8"?>
+<file path=ppt/slides/slide8.xml><?xml version="1.0" encoding="utf-8"?>
 <p:sld xmlns:a="http://schemas.openxmlformats.org/drawingml/2006/main" xmlns:r="http://schemas.openxmlformats.org/officeDocument/2006/relationships" xmlns:p="http://schemas.openxmlformats.org/presentationml/2006/main">
   <p:cSld>
     <p:spTree>
